--- a/figures/phylo.data.pptx
+++ b/figures/phylo.data.pptx
@@ -104,6 +104,11 @@
       </a:defRPr>
     </a:lvl9pPr>
   </p:defaultTextStyle>
+  <p:extLst>
+    <p:ext uri="{EFAFB233-063F-42B5-8137-9DF3F51BA10A}">
+      <p15:sldGuideLst xmlns:p15="http://schemas.microsoft.com/office/powerpoint/2012/main"/>
+    </p:ext>
+  </p:extLst>
 </p:presentation>
 </file>
 
@@ -238,7 +243,7 @@
           <a:p>
             <a:fld id="{DA1076DE-0398-4244-944D-863820543A55}" type="datetimeFigureOut">
               <a:rPr lang="en-US" smtClean="0"/>
-              <a:t>4/14/20</a:t>
+              <a:t>4/15/2020</a:t>
             </a:fld>
             <a:endParaRPr lang="en-US"/>
           </a:p>
@@ -408,7 +413,7 @@
           <a:p>
             <a:fld id="{DA1076DE-0398-4244-944D-863820543A55}" type="datetimeFigureOut">
               <a:rPr lang="en-US" smtClean="0"/>
-              <a:t>4/14/20</a:t>
+              <a:t>4/15/2020</a:t>
             </a:fld>
             <a:endParaRPr lang="en-US"/>
           </a:p>
@@ -588,7 +593,7 @@
           <a:p>
             <a:fld id="{DA1076DE-0398-4244-944D-863820543A55}" type="datetimeFigureOut">
               <a:rPr lang="en-US" smtClean="0"/>
-              <a:t>4/14/20</a:t>
+              <a:t>4/15/2020</a:t>
             </a:fld>
             <a:endParaRPr lang="en-US"/>
           </a:p>
@@ -758,7 +763,7 @@
           <a:p>
             <a:fld id="{DA1076DE-0398-4244-944D-863820543A55}" type="datetimeFigureOut">
               <a:rPr lang="en-US" smtClean="0"/>
-              <a:t>4/14/20</a:t>
+              <a:t>4/15/2020</a:t>
             </a:fld>
             <a:endParaRPr lang="en-US"/>
           </a:p>
@@ -1002,7 +1007,7 @@
           <a:p>
             <a:fld id="{DA1076DE-0398-4244-944D-863820543A55}" type="datetimeFigureOut">
               <a:rPr lang="en-US" smtClean="0"/>
-              <a:t>4/14/20</a:t>
+              <a:t>4/15/2020</a:t>
             </a:fld>
             <a:endParaRPr lang="en-US"/>
           </a:p>
@@ -1234,7 +1239,7 @@
           <a:p>
             <a:fld id="{DA1076DE-0398-4244-944D-863820543A55}" type="datetimeFigureOut">
               <a:rPr lang="en-US" smtClean="0"/>
-              <a:t>4/14/20</a:t>
+              <a:t>4/15/2020</a:t>
             </a:fld>
             <a:endParaRPr lang="en-US"/>
           </a:p>
@@ -1601,7 +1606,7 @@
           <a:p>
             <a:fld id="{DA1076DE-0398-4244-944D-863820543A55}" type="datetimeFigureOut">
               <a:rPr lang="en-US" smtClean="0"/>
-              <a:t>4/14/20</a:t>
+              <a:t>4/15/2020</a:t>
             </a:fld>
             <a:endParaRPr lang="en-US"/>
           </a:p>
@@ -1719,7 +1724,7 @@
           <a:p>
             <a:fld id="{DA1076DE-0398-4244-944D-863820543A55}" type="datetimeFigureOut">
               <a:rPr lang="en-US" smtClean="0"/>
-              <a:t>4/14/20</a:t>
+              <a:t>4/15/2020</a:t>
             </a:fld>
             <a:endParaRPr lang="en-US"/>
           </a:p>
@@ -1814,7 +1819,7 @@
           <a:p>
             <a:fld id="{DA1076DE-0398-4244-944D-863820543A55}" type="datetimeFigureOut">
               <a:rPr lang="en-US" smtClean="0"/>
-              <a:t>4/14/20</a:t>
+              <a:t>4/15/2020</a:t>
             </a:fld>
             <a:endParaRPr lang="en-US"/>
           </a:p>
@@ -2091,7 +2096,7 @@
           <a:p>
             <a:fld id="{DA1076DE-0398-4244-944D-863820543A55}" type="datetimeFigureOut">
               <a:rPr lang="en-US" smtClean="0"/>
-              <a:t>4/14/20</a:t>
+              <a:t>4/15/2020</a:t>
             </a:fld>
             <a:endParaRPr lang="en-US"/>
           </a:p>
@@ -2348,7 +2353,7 @@
           <a:p>
             <a:fld id="{DA1076DE-0398-4244-944D-863820543A55}" type="datetimeFigureOut">
               <a:rPr lang="en-US" smtClean="0"/>
-              <a:t>4/14/20</a:t>
+              <a:t>4/15/2020</a:t>
             </a:fld>
             <a:endParaRPr lang="en-US"/>
           </a:p>
@@ -2561,7 +2566,7 @@
           <a:p>
             <a:fld id="{DA1076DE-0398-4244-944D-863820543A55}" type="datetimeFigureOut">
               <a:rPr lang="en-US" smtClean="0"/>
-              <a:t>4/14/20</a:t>
+              <a:t>4/15/2020</a:t>
             </a:fld>
             <a:endParaRPr lang="en-US"/>
           </a:p>
@@ -3116,8 +3121,8 @@
         </p:nvSpPr>
         <p:spPr>
           <a:xfrm>
-            <a:off x="98480" y="5432408"/>
-            <a:ext cx="2089033" cy="923330"/>
+            <a:off x="99743" y="5015415"/>
+            <a:ext cx="978153" cy="415498"/>
           </a:xfrm>
           <a:prstGeom prst="rect">
             <a:avLst/>
@@ -3130,23 +3135,22 @@
           </a:bodyPr>
           <a:lstStyle/>
           <a:p>
-            <a:pPr marL="342900" indent="-342900">
+            <a:pPr algn="ctr"/>
+            <a:r>
+              <a:rPr lang="en-US" sz="700" dirty="0"/>
+              <a:t>2       29          57      84</a:t>
+            </a:r>
+          </a:p>
+          <a:p>
+            <a:pPr marL="342900" indent="-342900" algn="ctr">
               <a:buAutoNum type="arabicPeriod" startAt="2"/>
             </a:pPr>
-            <a:r>
-              <a:rPr lang="en-US" dirty="0"/>
-              <a:t>29.       57.       84</a:t>
-            </a:r>
-          </a:p>
-          <a:p>
-            <a:pPr marL="342900" indent="-342900">
-              <a:buAutoNum type="arabicPeriod" startAt="2"/>
-            </a:pPr>
-            <a:endParaRPr lang="en-US" dirty="0"/>
-          </a:p>
-          <a:p>
-            <a:r>
-              <a:rPr lang="en-US" dirty="0"/>
+            <a:endParaRPr lang="en-US" sz="700" dirty="0"/>
+          </a:p>
+          <a:p>
+            <a:pPr algn="ctr"/>
+            <a:r>
+              <a:rPr lang="en-US" sz="700" dirty="0"/>
               <a:t>Haploid number</a:t>
             </a:r>
           </a:p>

--- a/figures/phylo.data.pptx
+++ b/figures/phylo.data.pptx
@@ -243,7 +243,7 @@
           <a:p>
             <a:fld id="{DA1076DE-0398-4244-944D-863820543A55}" type="datetimeFigureOut">
               <a:rPr lang="en-US" smtClean="0"/>
-              <a:t>4/15/2020</a:t>
+              <a:t>4/15/20</a:t>
             </a:fld>
             <a:endParaRPr lang="en-US"/>
           </a:p>
@@ -413,7 +413,7 @@
           <a:p>
             <a:fld id="{DA1076DE-0398-4244-944D-863820543A55}" type="datetimeFigureOut">
               <a:rPr lang="en-US" smtClean="0"/>
-              <a:t>4/15/2020</a:t>
+              <a:t>4/15/20</a:t>
             </a:fld>
             <a:endParaRPr lang="en-US"/>
           </a:p>
@@ -593,7 +593,7 @@
           <a:p>
             <a:fld id="{DA1076DE-0398-4244-944D-863820543A55}" type="datetimeFigureOut">
               <a:rPr lang="en-US" smtClean="0"/>
-              <a:t>4/15/2020</a:t>
+              <a:t>4/15/20</a:t>
             </a:fld>
             <a:endParaRPr lang="en-US"/>
           </a:p>
@@ -763,7 +763,7 @@
           <a:p>
             <a:fld id="{DA1076DE-0398-4244-944D-863820543A55}" type="datetimeFigureOut">
               <a:rPr lang="en-US" smtClean="0"/>
-              <a:t>4/15/2020</a:t>
+              <a:t>4/15/20</a:t>
             </a:fld>
             <a:endParaRPr lang="en-US"/>
           </a:p>
@@ -1007,7 +1007,7 @@
           <a:p>
             <a:fld id="{DA1076DE-0398-4244-944D-863820543A55}" type="datetimeFigureOut">
               <a:rPr lang="en-US" smtClean="0"/>
-              <a:t>4/15/2020</a:t>
+              <a:t>4/15/20</a:t>
             </a:fld>
             <a:endParaRPr lang="en-US"/>
           </a:p>
@@ -1239,7 +1239,7 @@
           <a:p>
             <a:fld id="{DA1076DE-0398-4244-944D-863820543A55}" type="datetimeFigureOut">
               <a:rPr lang="en-US" smtClean="0"/>
-              <a:t>4/15/2020</a:t>
+              <a:t>4/15/20</a:t>
             </a:fld>
             <a:endParaRPr lang="en-US"/>
           </a:p>
@@ -1606,7 +1606,7 @@
           <a:p>
             <a:fld id="{DA1076DE-0398-4244-944D-863820543A55}" type="datetimeFigureOut">
               <a:rPr lang="en-US" smtClean="0"/>
-              <a:t>4/15/2020</a:t>
+              <a:t>4/15/20</a:t>
             </a:fld>
             <a:endParaRPr lang="en-US"/>
           </a:p>
@@ -1724,7 +1724,7 @@
           <a:p>
             <a:fld id="{DA1076DE-0398-4244-944D-863820543A55}" type="datetimeFigureOut">
               <a:rPr lang="en-US" smtClean="0"/>
-              <a:t>4/15/2020</a:t>
+              <a:t>4/15/20</a:t>
             </a:fld>
             <a:endParaRPr lang="en-US"/>
           </a:p>
@@ -1819,7 +1819,7 @@
           <a:p>
             <a:fld id="{DA1076DE-0398-4244-944D-863820543A55}" type="datetimeFigureOut">
               <a:rPr lang="en-US" smtClean="0"/>
-              <a:t>4/15/2020</a:t>
+              <a:t>4/15/20</a:t>
             </a:fld>
             <a:endParaRPr lang="en-US"/>
           </a:p>
@@ -2096,7 +2096,7 @@
           <a:p>
             <a:fld id="{DA1076DE-0398-4244-944D-863820543A55}" type="datetimeFigureOut">
               <a:rPr lang="en-US" smtClean="0"/>
-              <a:t>4/15/2020</a:t>
+              <a:t>4/15/20</a:t>
             </a:fld>
             <a:endParaRPr lang="en-US"/>
           </a:p>
@@ -2353,7 +2353,7 @@
           <a:p>
             <a:fld id="{DA1076DE-0398-4244-944D-863820543A55}" type="datetimeFigureOut">
               <a:rPr lang="en-US" smtClean="0"/>
-              <a:t>4/15/2020</a:t>
+              <a:t>4/15/20</a:t>
             </a:fld>
             <a:endParaRPr lang="en-US"/>
           </a:p>
@@ -2566,7 +2566,7 @@
           <a:p>
             <a:fld id="{DA1076DE-0398-4244-944D-863820543A55}" type="datetimeFigureOut">
               <a:rPr lang="en-US" smtClean="0"/>
-              <a:t>4/15/2020</a:t>
+              <a:t>4/15/20</a:t>
             </a:fld>
             <a:endParaRPr lang="en-US"/>
           </a:p>
@@ -2973,10 +2973,10 @@
       </p:grpSpPr>
       <p:pic>
         <p:nvPicPr>
-          <p:cNvPr id="5" name="Picture 4">
+          <p:cNvPr id="6" name="Picture 5">
             <a:extLst>
               <a:ext uri="{FF2B5EF4-FFF2-40B4-BE49-F238E27FC236}">
-                <a16:creationId xmlns:a16="http://schemas.microsoft.com/office/drawing/2014/main" id="{3AA8CC74-F293-C043-942A-DAE94EE95ABC}"/>
+                <a16:creationId xmlns:a16="http://schemas.microsoft.com/office/drawing/2014/main" id="{12B885B0-17C2-8B4D-B861-380D019A497D}"/>
               </a:ext>
             </a:extLst>
           </p:cNvPr>
@@ -2993,8 +2993,8 @@
         </p:blipFill>
         <p:spPr>
           <a:xfrm>
-            <a:off x="949037" y="789709"/>
-            <a:ext cx="4959926" cy="4959926"/>
+            <a:off x="685800" y="599607"/>
+            <a:ext cx="5486400" cy="5486400"/>
           </a:xfrm>
           <a:prstGeom prst="rect">
             <a:avLst/>
@@ -3022,7 +3022,7 @@
         </p:blipFill>
         <p:spPr>
           <a:xfrm flipV="1">
-            <a:off x="228601" y="4696691"/>
+            <a:off x="228601" y="5401223"/>
             <a:ext cx="720436" cy="119010"/>
           </a:xfrm>
           <a:prstGeom prst="rect">
@@ -3051,7 +3051,7 @@
         </p:blipFill>
         <p:spPr>
           <a:xfrm flipV="1">
-            <a:off x="228601" y="5163660"/>
+            <a:off x="228601" y="5868192"/>
             <a:ext cx="720436" cy="119008"/>
           </a:xfrm>
           <a:prstGeom prst="rect">
@@ -3073,7 +3073,7 @@
         </p:nvSpPr>
         <p:spPr>
           <a:xfrm>
-            <a:off x="14831" y="4536230"/>
+            <a:off x="14831" y="5240762"/>
             <a:ext cx="1128166" cy="338554"/>
           </a:xfrm>
           <a:prstGeom prst="rect">
@@ -3121,7 +3121,7 @@
         </p:nvSpPr>
         <p:spPr>
           <a:xfrm>
-            <a:off x="99743" y="5015415"/>
+            <a:off x="99743" y="5719947"/>
             <a:ext cx="978153" cy="415498"/>
           </a:xfrm>
           <a:prstGeom prst="rect">
@@ -3156,6 +3156,348 @@
           </a:p>
         </p:txBody>
       </p:sp>
+      <p:sp>
+        <p:nvSpPr>
+          <p:cNvPr id="2" name="Block Arc 1">
+            <a:extLst>
+              <a:ext uri="{FF2B5EF4-FFF2-40B4-BE49-F238E27FC236}">
+                <a16:creationId xmlns:a16="http://schemas.microsoft.com/office/drawing/2014/main" id="{89A059F7-34B9-BA48-8A3A-35575A966EA8}"/>
+              </a:ext>
+            </a:extLst>
+          </p:cNvPr>
+          <p:cNvSpPr/>
+          <p:nvPr/>
+        </p:nvSpPr>
+        <p:spPr>
+          <a:xfrm>
+            <a:off x="817418" y="732243"/>
+            <a:ext cx="5223163" cy="5223163"/>
+          </a:xfrm>
+          <a:prstGeom prst="blockArc">
+            <a:avLst>
+              <a:gd name="adj1" fmla="val 21565859"/>
+              <a:gd name="adj2" fmla="val 21562481"/>
+              <a:gd name="adj3" fmla="val 1390"/>
+            </a:avLst>
+          </a:prstGeom>
+          <a:solidFill>
+            <a:schemeClr val="tx1">
+              <a:lumMod val="50000"/>
+              <a:lumOff val="50000"/>
+            </a:schemeClr>
+          </a:solidFill>
+          <a:ln>
+            <a:noFill/>
+          </a:ln>
+        </p:spPr>
+        <p:style>
+          <a:lnRef idx="2">
+            <a:schemeClr val="accent1">
+              <a:shade val="50000"/>
+            </a:schemeClr>
+          </a:lnRef>
+          <a:fillRef idx="1">
+            <a:schemeClr val="accent1"/>
+          </a:fillRef>
+          <a:effectRef idx="0">
+            <a:schemeClr val="accent1"/>
+          </a:effectRef>
+          <a:fontRef idx="minor">
+            <a:schemeClr val="lt1"/>
+          </a:fontRef>
+        </p:style>
+        <p:txBody>
+          <a:bodyPr rtlCol="0" anchor="ctr"/>
+          <a:lstStyle/>
+          <a:p>
+            <a:pPr algn="ctr"/>
+            <a:endParaRPr lang="en-US">
+              <a:solidFill>
+                <a:schemeClr val="tx1"/>
+              </a:solidFill>
+            </a:endParaRPr>
+          </a:p>
+        </p:txBody>
+      </p:sp>
+      <p:cxnSp>
+        <p:nvCxnSpPr>
+          <p:cNvPr id="4" name="Straight Connector 3">
+            <a:extLst>
+              <a:ext uri="{FF2B5EF4-FFF2-40B4-BE49-F238E27FC236}">
+                <a16:creationId xmlns:a16="http://schemas.microsoft.com/office/drawing/2014/main" id="{FC3F2CCC-7F6D-2D47-8921-3D852BA77CEA}"/>
+              </a:ext>
+            </a:extLst>
+          </p:cNvPr>
+          <p:cNvCxnSpPr>
+            <a:cxnSpLocks/>
+          </p:cNvCxnSpPr>
+          <p:nvPr/>
+        </p:nvCxnSpPr>
+        <p:spPr>
+          <a:xfrm flipV="1">
+            <a:off x="5299881" y="1571993"/>
+            <a:ext cx="72788" cy="65304"/>
+          </a:xfrm>
+          <a:prstGeom prst="line">
+            <a:avLst/>
+          </a:prstGeom>
+          <a:ln w="28575">
+            <a:solidFill>
+              <a:schemeClr val="bg1"/>
+            </a:solidFill>
+          </a:ln>
+        </p:spPr>
+        <p:style>
+          <a:lnRef idx="1">
+            <a:schemeClr val="accent1"/>
+          </a:lnRef>
+          <a:fillRef idx="0">
+            <a:schemeClr val="accent1"/>
+          </a:fillRef>
+          <a:effectRef idx="0">
+            <a:schemeClr val="accent1"/>
+          </a:effectRef>
+          <a:fontRef idx="minor">
+            <a:schemeClr val="tx1"/>
+          </a:fontRef>
+        </p:style>
+      </p:cxnSp>
+      <p:cxnSp>
+        <p:nvCxnSpPr>
+          <p:cNvPr id="12" name="Straight Connector 11">
+            <a:extLst>
+              <a:ext uri="{FF2B5EF4-FFF2-40B4-BE49-F238E27FC236}">
+                <a16:creationId xmlns:a16="http://schemas.microsoft.com/office/drawing/2014/main" id="{232400F8-8E6B-7841-A1D7-B09343B72EEF}"/>
+              </a:ext>
+            </a:extLst>
+          </p:cNvPr>
+          <p:cNvCxnSpPr>
+            <a:cxnSpLocks/>
+          </p:cNvCxnSpPr>
+          <p:nvPr/>
+        </p:nvCxnSpPr>
+        <p:spPr>
+          <a:xfrm flipV="1">
+            <a:off x="5227093" y="1507547"/>
+            <a:ext cx="72788" cy="65304"/>
+          </a:xfrm>
+          <a:prstGeom prst="line">
+            <a:avLst/>
+          </a:prstGeom>
+          <a:ln w="28575">
+            <a:solidFill>
+              <a:schemeClr val="bg1"/>
+            </a:solidFill>
+          </a:ln>
+        </p:spPr>
+        <p:style>
+          <a:lnRef idx="1">
+            <a:schemeClr val="accent1"/>
+          </a:lnRef>
+          <a:fillRef idx="0">
+            <a:schemeClr val="accent1"/>
+          </a:fillRef>
+          <a:effectRef idx="0">
+            <a:schemeClr val="accent1"/>
+          </a:effectRef>
+          <a:fontRef idx="minor">
+            <a:schemeClr val="tx1"/>
+          </a:fontRef>
+        </p:style>
+      </p:cxnSp>
+      <p:cxnSp>
+        <p:nvCxnSpPr>
+          <p:cNvPr id="16" name="Straight Connector 15">
+            <a:extLst>
+              <a:ext uri="{FF2B5EF4-FFF2-40B4-BE49-F238E27FC236}">
+                <a16:creationId xmlns:a16="http://schemas.microsoft.com/office/drawing/2014/main" id="{2056C445-621C-BD44-B5B0-C576F5F97FB0}"/>
+              </a:ext>
+            </a:extLst>
+          </p:cNvPr>
+          <p:cNvCxnSpPr>
+            <a:cxnSpLocks/>
+          </p:cNvCxnSpPr>
+          <p:nvPr/>
+        </p:nvCxnSpPr>
+        <p:spPr>
+          <a:xfrm flipV="1">
+            <a:off x="4144182" y="827948"/>
+            <a:ext cx="27442" cy="83127"/>
+          </a:xfrm>
+          <a:prstGeom prst="line">
+            <a:avLst/>
+          </a:prstGeom>
+          <a:ln w="28575">
+            <a:solidFill>
+              <a:schemeClr val="bg1"/>
+            </a:solidFill>
+          </a:ln>
+        </p:spPr>
+        <p:style>
+          <a:lnRef idx="1">
+            <a:schemeClr val="accent1"/>
+          </a:lnRef>
+          <a:fillRef idx="0">
+            <a:schemeClr val="accent1"/>
+          </a:fillRef>
+          <a:effectRef idx="0">
+            <a:schemeClr val="accent1"/>
+          </a:effectRef>
+          <a:fontRef idx="minor">
+            <a:schemeClr val="tx1"/>
+          </a:fontRef>
+        </p:style>
+      </p:cxnSp>
+      <p:sp>
+        <p:nvSpPr>
+          <p:cNvPr id="17" name="TextBox 16">
+            <a:extLst>
+              <a:ext uri="{FF2B5EF4-FFF2-40B4-BE49-F238E27FC236}">
+                <a16:creationId xmlns:a16="http://schemas.microsoft.com/office/drawing/2014/main" id="{233013E9-5C30-0443-BE1B-8CFD51C38338}"/>
+              </a:ext>
+            </a:extLst>
+          </p:cNvPr>
+          <p:cNvSpPr txBox="1"/>
+          <p:nvPr/>
+        </p:nvSpPr>
+        <p:spPr>
+          <a:xfrm>
+            <a:off x="4608666" y="827948"/>
+            <a:ext cx="691215" cy="215444"/>
+          </a:xfrm>
+          <a:prstGeom prst="rect">
+            <a:avLst/>
+          </a:prstGeom>
+          <a:noFill/>
+        </p:spPr>
+        <p:txBody>
+          <a:bodyPr wrap="none" rtlCol="0">
+            <a:spAutoFit/>
+          </a:bodyPr>
+          <a:lstStyle/>
+          <a:p>
+            <a:r>
+              <a:rPr lang="en-US" sz="800" dirty="0"/>
+              <a:t>Lepidoptera</a:t>
+            </a:r>
+          </a:p>
+        </p:txBody>
+      </p:sp>
+      <p:sp>
+        <p:nvSpPr>
+          <p:cNvPr id="18" name="TextBox 17">
+            <a:extLst>
+              <a:ext uri="{FF2B5EF4-FFF2-40B4-BE49-F238E27FC236}">
+                <a16:creationId xmlns:a16="http://schemas.microsoft.com/office/drawing/2014/main" id="{7EC1C895-4E50-E54A-A057-4EA7BE2513E8}"/>
+              </a:ext>
+            </a:extLst>
+          </p:cNvPr>
+          <p:cNvSpPr txBox="1"/>
+          <p:nvPr/>
+        </p:nvSpPr>
+        <p:spPr>
+          <a:xfrm>
+            <a:off x="5832378" y="2317224"/>
+            <a:ext cx="495649" cy="215444"/>
+          </a:xfrm>
+          <a:prstGeom prst="rect">
+            <a:avLst/>
+          </a:prstGeom>
+          <a:noFill/>
+        </p:spPr>
+        <p:txBody>
+          <a:bodyPr wrap="none" rtlCol="0">
+            <a:spAutoFit/>
+          </a:bodyPr>
+          <a:lstStyle/>
+          <a:p>
+            <a:r>
+              <a:rPr lang="en-US" sz="800" dirty="0" err="1"/>
+              <a:t>Diptera</a:t>
+            </a:r>
+            <a:endParaRPr lang="en-US" sz="800" dirty="0"/>
+          </a:p>
+        </p:txBody>
+      </p:sp>
+      <p:sp>
+        <p:nvSpPr>
+          <p:cNvPr id="19" name="TextBox 18">
+            <a:extLst>
+              <a:ext uri="{FF2B5EF4-FFF2-40B4-BE49-F238E27FC236}">
+                <a16:creationId xmlns:a16="http://schemas.microsoft.com/office/drawing/2014/main" id="{915F3E02-4921-5F4F-B4CA-5EE7A6773A9E}"/>
+              </a:ext>
+            </a:extLst>
+          </p:cNvPr>
+          <p:cNvSpPr txBox="1"/>
+          <p:nvPr/>
+        </p:nvSpPr>
+        <p:spPr>
+          <a:xfrm>
+            <a:off x="5279635" y="1356549"/>
+            <a:ext cx="646331" cy="215444"/>
+          </a:xfrm>
+          <a:prstGeom prst="rect">
+            <a:avLst/>
+          </a:prstGeom>
+          <a:noFill/>
+        </p:spPr>
+        <p:txBody>
+          <a:bodyPr wrap="none" rtlCol="0">
+            <a:spAutoFit/>
+          </a:bodyPr>
+          <a:lstStyle/>
+          <a:p>
+            <a:r>
+              <a:rPr lang="en-US" sz="800" dirty="0" err="1"/>
+              <a:t>Mecoptera</a:t>
+            </a:r>
+            <a:endParaRPr lang="en-US" sz="800" dirty="0"/>
+          </a:p>
+        </p:txBody>
+      </p:sp>
+      <p:cxnSp>
+        <p:nvCxnSpPr>
+          <p:cNvPr id="20" name="Straight Connector 19">
+            <a:extLst>
+              <a:ext uri="{FF2B5EF4-FFF2-40B4-BE49-F238E27FC236}">
+                <a16:creationId xmlns:a16="http://schemas.microsoft.com/office/drawing/2014/main" id="{74B1608E-338C-6F41-B0FE-C52FF52B7085}"/>
+              </a:ext>
+            </a:extLst>
+          </p:cNvPr>
+          <p:cNvCxnSpPr>
+            <a:cxnSpLocks/>
+          </p:cNvCxnSpPr>
+          <p:nvPr/>
+        </p:nvCxnSpPr>
+        <p:spPr>
+          <a:xfrm>
+            <a:off x="5953913" y="3329055"/>
+            <a:ext cx="86668" cy="0"/>
+          </a:xfrm>
+          <a:prstGeom prst="line">
+            <a:avLst/>
+          </a:prstGeom>
+          <a:ln w="28575">
+            <a:solidFill>
+              <a:schemeClr val="bg1"/>
+            </a:solidFill>
+          </a:ln>
+        </p:spPr>
+        <p:style>
+          <a:lnRef idx="1">
+            <a:schemeClr val="accent1"/>
+          </a:lnRef>
+          <a:fillRef idx="0">
+            <a:schemeClr val="accent1"/>
+          </a:fillRef>
+          <a:effectRef idx="0">
+            <a:schemeClr val="accent1"/>
+          </a:effectRef>
+          <a:fontRef idx="minor">
+            <a:schemeClr val="tx1"/>
+          </a:fontRef>
+        </p:style>
+      </p:cxnSp>
     </p:spTree>
     <p:extLst>
       <p:ext uri="{BB962C8B-B14F-4D97-AF65-F5344CB8AC3E}">

--- a/figures/phylo.data.pptx
+++ b/figures/phylo.data.pptx
@@ -4,6 +4,9 @@
   <p:sldMasterIdLst>
     <p:sldMasterId id="2147483672" r:id="rId1"/>
   </p:sldMasterIdLst>
+  <p:notesMasterIdLst>
+    <p:notesMasterId r:id="rId3"/>
+  </p:notesMasterIdLst>
   <p:sldIdLst>
     <p:sldId id="256" r:id="rId2"/>
   </p:sldIdLst>
@@ -112,6 +115,450 @@
 </p:presentation>
 </file>
 
+<file path=ppt/notesMasters/notesMaster1.xml><?xml version="1.0" encoding="utf-8"?>
+<p:notesMaster xmlns:a="http://schemas.openxmlformats.org/drawingml/2006/main" xmlns:r="http://schemas.openxmlformats.org/officeDocument/2006/relationships" xmlns:p="http://schemas.openxmlformats.org/presentationml/2006/main">
+  <p:cSld>
+    <p:bg>
+      <p:bgRef idx="1001">
+        <a:schemeClr val="bg1"/>
+      </p:bgRef>
+    </p:bg>
+    <p:spTree>
+      <p:nvGrpSpPr>
+        <p:cNvPr id="1" name=""/>
+        <p:cNvGrpSpPr/>
+        <p:nvPr/>
+      </p:nvGrpSpPr>
+      <p:grpSpPr>
+        <a:xfrm>
+          <a:off x="0" y="0"/>
+          <a:ext cx="0" cy="0"/>
+          <a:chOff x="0" y="0"/>
+          <a:chExt cx="0" cy="0"/>
+        </a:xfrm>
+      </p:grpSpPr>
+      <p:sp>
+        <p:nvSpPr>
+          <p:cNvPr id="2" name="Header Placeholder 1"/>
+          <p:cNvSpPr>
+            <a:spLocks noGrp="1"/>
+          </p:cNvSpPr>
+          <p:nvPr>
+            <p:ph type="hdr" sz="quarter"/>
+          </p:nvPr>
+        </p:nvSpPr>
+        <p:spPr>
+          <a:xfrm>
+            <a:off x="0" y="0"/>
+            <a:ext cx="2971800" cy="458788"/>
+          </a:xfrm>
+          <a:prstGeom prst="rect">
+            <a:avLst/>
+          </a:prstGeom>
+        </p:spPr>
+        <p:txBody>
+          <a:bodyPr vert="horz" lIns="91440" tIns="45720" rIns="91440" bIns="45720" rtlCol="0"/>
+          <a:lstStyle>
+            <a:lvl1pPr algn="l">
+              <a:defRPr sz="1200"/>
+            </a:lvl1pPr>
+          </a:lstStyle>
+          <a:p>
+            <a:endParaRPr lang="en-US"/>
+          </a:p>
+        </p:txBody>
+      </p:sp>
+      <p:sp>
+        <p:nvSpPr>
+          <p:cNvPr id="3" name="Date Placeholder 2"/>
+          <p:cNvSpPr>
+            <a:spLocks noGrp="1"/>
+          </p:cNvSpPr>
+          <p:nvPr>
+            <p:ph type="dt" idx="1"/>
+          </p:nvPr>
+        </p:nvSpPr>
+        <p:spPr>
+          <a:xfrm>
+            <a:off x="3884613" y="0"/>
+            <a:ext cx="2971800" cy="458788"/>
+          </a:xfrm>
+          <a:prstGeom prst="rect">
+            <a:avLst/>
+          </a:prstGeom>
+        </p:spPr>
+        <p:txBody>
+          <a:bodyPr vert="horz" lIns="91440" tIns="45720" rIns="91440" bIns="45720" rtlCol="0"/>
+          <a:lstStyle>
+            <a:lvl1pPr algn="r">
+              <a:defRPr sz="1200"/>
+            </a:lvl1pPr>
+          </a:lstStyle>
+          <a:p>
+            <a:fld id="{D77AB74D-E58D-41EE-A23B-3D482445C5E4}" type="datetimeFigureOut">
+              <a:rPr lang="en-US" smtClean="0"/>
+              <a:t>4/15/2020</a:t>
+            </a:fld>
+            <a:endParaRPr lang="en-US"/>
+          </a:p>
+        </p:txBody>
+      </p:sp>
+      <p:sp>
+        <p:nvSpPr>
+          <p:cNvPr id="4" name="Slide Image Placeholder 3"/>
+          <p:cNvSpPr>
+            <a:spLocks noGrp="1" noRot="1" noChangeAspect="1"/>
+          </p:cNvSpPr>
+          <p:nvPr>
+            <p:ph type="sldImg" idx="2"/>
+          </p:nvPr>
+        </p:nvSpPr>
+        <p:spPr>
+          <a:xfrm>
+            <a:off x="2271713" y="1143000"/>
+            <a:ext cx="2314575" cy="3086100"/>
+          </a:xfrm>
+          <a:prstGeom prst="rect">
+            <a:avLst/>
+          </a:prstGeom>
+          <a:noFill/>
+          <a:ln w="12700">
+            <a:solidFill>
+              <a:prstClr val="black"/>
+            </a:solidFill>
+          </a:ln>
+        </p:spPr>
+        <p:txBody>
+          <a:bodyPr vert="horz" lIns="91440" tIns="45720" rIns="91440" bIns="45720" rtlCol="0" anchor="ctr"/>
+          <a:lstStyle/>
+          <a:p>
+            <a:endParaRPr lang="en-US"/>
+          </a:p>
+        </p:txBody>
+      </p:sp>
+      <p:sp>
+        <p:nvSpPr>
+          <p:cNvPr id="5" name="Notes Placeholder 4"/>
+          <p:cNvSpPr>
+            <a:spLocks noGrp="1"/>
+          </p:cNvSpPr>
+          <p:nvPr>
+            <p:ph type="body" sz="quarter" idx="3"/>
+          </p:nvPr>
+        </p:nvSpPr>
+        <p:spPr>
+          <a:xfrm>
+            <a:off x="685800" y="4400550"/>
+            <a:ext cx="5486400" cy="3600450"/>
+          </a:xfrm>
+          <a:prstGeom prst="rect">
+            <a:avLst/>
+          </a:prstGeom>
+        </p:spPr>
+        <p:txBody>
+          <a:bodyPr vert="horz" lIns="91440" tIns="45720" rIns="91440" bIns="45720" rtlCol="0"/>
+          <a:lstStyle/>
+          <a:p>
+            <a:pPr lvl="0"/>
+            <a:r>
+              <a:rPr lang="en-US"/>
+              <a:t>Click to edit Master text styles</a:t>
+            </a:r>
+          </a:p>
+          <a:p>
+            <a:pPr lvl="1"/>
+            <a:r>
+              <a:rPr lang="en-US"/>
+              <a:t>Second level</a:t>
+            </a:r>
+          </a:p>
+          <a:p>
+            <a:pPr lvl="2"/>
+            <a:r>
+              <a:rPr lang="en-US"/>
+              <a:t>Third level</a:t>
+            </a:r>
+          </a:p>
+          <a:p>
+            <a:pPr lvl="3"/>
+            <a:r>
+              <a:rPr lang="en-US"/>
+              <a:t>Fourth level</a:t>
+            </a:r>
+          </a:p>
+          <a:p>
+            <a:pPr lvl="4"/>
+            <a:r>
+              <a:rPr lang="en-US"/>
+              <a:t>Fifth level</a:t>
+            </a:r>
+          </a:p>
+        </p:txBody>
+      </p:sp>
+      <p:sp>
+        <p:nvSpPr>
+          <p:cNvPr id="6" name="Footer Placeholder 5"/>
+          <p:cNvSpPr>
+            <a:spLocks noGrp="1"/>
+          </p:cNvSpPr>
+          <p:nvPr>
+            <p:ph type="ftr" sz="quarter" idx="4"/>
+          </p:nvPr>
+        </p:nvSpPr>
+        <p:spPr>
+          <a:xfrm>
+            <a:off x="0" y="8685213"/>
+            <a:ext cx="2971800" cy="458787"/>
+          </a:xfrm>
+          <a:prstGeom prst="rect">
+            <a:avLst/>
+          </a:prstGeom>
+        </p:spPr>
+        <p:txBody>
+          <a:bodyPr vert="horz" lIns="91440" tIns="45720" rIns="91440" bIns="45720" rtlCol="0" anchor="b"/>
+          <a:lstStyle>
+            <a:lvl1pPr algn="l">
+              <a:defRPr sz="1200"/>
+            </a:lvl1pPr>
+          </a:lstStyle>
+          <a:p>
+            <a:endParaRPr lang="en-US"/>
+          </a:p>
+        </p:txBody>
+      </p:sp>
+      <p:sp>
+        <p:nvSpPr>
+          <p:cNvPr id="7" name="Slide Number Placeholder 6"/>
+          <p:cNvSpPr>
+            <a:spLocks noGrp="1"/>
+          </p:cNvSpPr>
+          <p:nvPr>
+            <p:ph type="sldNum" sz="quarter" idx="5"/>
+          </p:nvPr>
+        </p:nvSpPr>
+        <p:spPr>
+          <a:xfrm>
+            <a:off x="3884613" y="8685213"/>
+            <a:ext cx="2971800" cy="458787"/>
+          </a:xfrm>
+          <a:prstGeom prst="rect">
+            <a:avLst/>
+          </a:prstGeom>
+        </p:spPr>
+        <p:txBody>
+          <a:bodyPr vert="horz" lIns="91440" tIns="45720" rIns="91440" bIns="45720" rtlCol="0" anchor="b"/>
+          <a:lstStyle>
+            <a:lvl1pPr algn="r">
+              <a:defRPr sz="1200"/>
+            </a:lvl1pPr>
+          </a:lstStyle>
+          <a:p>
+            <a:fld id="{44F3ED54-F2C6-46F0-BD0F-AA1AA2497C1E}" type="slidenum">
+              <a:rPr lang="en-US" smtClean="0"/>
+              <a:t>‹#›</a:t>
+            </a:fld>
+            <a:endParaRPr lang="en-US"/>
+          </a:p>
+        </p:txBody>
+      </p:sp>
+    </p:spTree>
+    <p:extLst>
+      <p:ext uri="{BB962C8B-B14F-4D97-AF65-F5344CB8AC3E}">
+        <p14:creationId xmlns:p14="http://schemas.microsoft.com/office/powerpoint/2010/main" val="1020519200"/>
+      </p:ext>
+    </p:extLst>
+  </p:cSld>
+  <p:clrMap bg1="lt1" tx1="dk1" bg2="lt2" tx2="dk2" accent1="accent1" accent2="accent2" accent3="accent3" accent4="accent4" accent5="accent5" accent6="accent6" hlink="hlink" folHlink="folHlink"/>
+  <p:notesStyle>
+    <a:lvl1pPr marL="0" algn="l" defTabSz="914400" rtl="0" eaLnBrk="1" latinLnBrk="0" hangingPunct="1">
+      <a:defRPr sz="1200" kern="1200">
+        <a:solidFill>
+          <a:schemeClr val="tx1"/>
+        </a:solidFill>
+        <a:latin typeface="+mn-lt"/>
+        <a:ea typeface="+mn-ea"/>
+        <a:cs typeface="+mn-cs"/>
+      </a:defRPr>
+    </a:lvl1pPr>
+    <a:lvl2pPr marL="457200" algn="l" defTabSz="914400" rtl="0" eaLnBrk="1" latinLnBrk="0" hangingPunct="1">
+      <a:defRPr sz="1200" kern="1200">
+        <a:solidFill>
+          <a:schemeClr val="tx1"/>
+        </a:solidFill>
+        <a:latin typeface="+mn-lt"/>
+        <a:ea typeface="+mn-ea"/>
+        <a:cs typeface="+mn-cs"/>
+      </a:defRPr>
+    </a:lvl2pPr>
+    <a:lvl3pPr marL="914400" algn="l" defTabSz="914400" rtl="0" eaLnBrk="1" latinLnBrk="0" hangingPunct="1">
+      <a:defRPr sz="1200" kern="1200">
+        <a:solidFill>
+          <a:schemeClr val="tx1"/>
+        </a:solidFill>
+        <a:latin typeface="+mn-lt"/>
+        <a:ea typeface="+mn-ea"/>
+        <a:cs typeface="+mn-cs"/>
+      </a:defRPr>
+    </a:lvl3pPr>
+    <a:lvl4pPr marL="1371600" algn="l" defTabSz="914400" rtl="0" eaLnBrk="1" latinLnBrk="0" hangingPunct="1">
+      <a:defRPr sz="1200" kern="1200">
+        <a:solidFill>
+          <a:schemeClr val="tx1"/>
+        </a:solidFill>
+        <a:latin typeface="+mn-lt"/>
+        <a:ea typeface="+mn-ea"/>
+        <a:cs typeface="+mn-cs"/>
+      </a:defRPr>
+    </a:lvl4pPr>
+    <a:lvl5pPr marL="1828800" algn="l" defTabSz="914400" rtl="0" eaLnBrk="1" latinLnBrk="0" hangingPunct="1">
+      <a:defRPr sz="1200" kern="1200">
+        <a:solidFill>
+          <a:schemeClr val="tx1"/>
+        </a:solidFill>
+        <a:latin typeface="+mn-lt"/>
+        <a:ea typeface="+mn-ea"/>
+        <a:cs typeface="+mn-cs"/>
+      </a:defRPr>
+    </a:lvl5pPr>
+    <a:lvl6pPr marL="2286000" algn="l" defTabSz="914400" rtl="0" eaLnBrk="1" latinLnBrk="0" hangingPunct="1">
+      <a:defRPr sz="1200" kern="1200">
+        <a:solidFill>
+          <a:schemeClr val="tx1"/>
+        </a:solidFill>
+        <a:latin typeface="+mn-lt"/>
+        <a:ea typeface="+mn-ea"/>
+        <a:cs typeface="+mn-cs"/>
+      </a:defRPr>
+    </a:lvl6pPr>
+    <a:lvl7pPr marL="2743200" algn="l" defTabSz="914400" rtl="0" eaLnBrk="1" latinLnBrk="0" hangingPunct="1">
+      <a:defRPr sz="1200" kern="1200">
+        <a:solidFill>
+          <a:schemeClr val="tx1"/>
+        </a:solidFill>
+        <a:latin typeface="+mn-lt"/>
+        <a:ea typeface="+mn-ea"/>
+        <a:cs typeface="+mn-cs"/>
+      </a:defRPr>
+    </a:lvl7pPr>
+    <a:lvl8pPr marL="3200400" algn="l" defTabSz="914400" rtl="0" eaLnBrk="1" latinLnBrk="0" hangingPunct="1">
+      <a:defRPr sz="1200" kern="1200">
+        <a:solidFill>
+          <a:schemeClr val="tx1"/>
+        </a:solidFill>
+        <a:latin typeface="+mn-lt"/>
+        <a:ea typeface="+mn-ea"/>
+        <a:cs typeface="+mn-cs"/>
+      </a:defRPr>
+    </a:lvl8pPr>
+    <a:lvl9pPr marL="3657600" algn="l" defTabSz="914400" rtl="0" eaLnBrk="1" latinLnBrk="0" hangingPunct="1">
+      <a:defRPr sz="1200" kern="1200">
+        <a:solidFill>
+          <a:schemeClr val="tx1"/>
+        </a:solidFill>
+        <a:latin typeface="+mn-lt"/>
+        <a:ea typeface="+mn-ea"/>
+        <a:cs typeface="+mn-cs"/>
+      </a:defRPr>
+    </a:lvl9pPr>
+  </p:notesStyle>
+</p:notesMaster>
+</file>
+
+<file path=ppt/notesSlides/notesSlide1.xml><?xml version="1.0" encoding="utf-8"?>
+<p:notes xmlns:a="http://schemas.openxmlformats.org/drawingml/2006/main" xmlns:r="http://schemas.openxmlformats.org/officeDocument/2006/relationships" xmlns:p="http://schemas.openxmlformats.org/presentationml/2006/main">
+  <p:cSld>
+    <p:spTree>
+      <p:nvGrpSpPr>
+        <p:cNvPr id="1" name=""/>
+        <p:cNvGrpSpPr/>
+        <p:nvPr/>
+      </p:nvGrpSpPr>
+      <p:grpSpPr>
+        <a:xfrm>
+          <a:off x="0" y="0"/>
+          <a:ext cx="0" cy="0"/>
+          <a:chOff x="0" y="0"/>
+          <a:chExt cx="0" cy="0"/>
+        </a:xfrm>
+      </p:grpSpPr>
+      <p:sp>
+        <p:nvSpPr>
+          <p:cNvPr id="2" name="Slide Image Placeholder 1"/>
+          <p:cNvSpPr>
+            <a:spLocks noGrp="1" noRot="1" noChangeAspect="1"/>
+          </p:cNvSpPr>
+          <p:nvPr>
+            <p:ph type="sldImg"/>
+          </p:nvPr>
+        </p:nvSpPr>
+        <p:spPr/>
+      </p:sp>
+      <p:sp>
+        <p:nvSpPr>
+          <p:cNvPr id="3" name="Notes Placeholder 2"/>
+          <p:cNvSpPr>
+            <a:spLocks noGrp="1"/>
+          </p:cNvSpPr>
+          <p:nvPr>
+            <p:ph type="body" idx="1"/>
+          </p:nvPr>
+        </p:nvSpPr>
+        <p:spPr/>
+        <p:txBody>
+          <a:bodyPr/>
+          <a:lstStyle/>
+          <a:p>
+            <a:r>
+              <a:rPr lang="en-US" sz="1200" b="0" i="0" u="none" strike="noStrike" kern="1200" baseline="0" dirty="0">
+                <a:solidFill>
+                  <a:schemeClr val="tx1"/>
+                </a:solidFill>
+                <a:latin typeface="+mn-lt"/>
+                <a:ea typeface="+mn-ea"/>
+                <a:cs typeface="+mn-cs"/>
+              </a:rPr>
+              <a:t>Trichoptera</a:t>
+            </a:r>
+            <a:endParaRPr lang="en-US" dirty="0"/>
+          </a:p>
+        </p:txBody>
+      </p:sp>
+      <p:sp>
+        <p:nvSpPr>
+          <p:cNvPr id="4" name="Slide Number Placeholder 3"/>
+          <p:cNvSpPr>
+            <a:spLocks noGrp="1"/>
+          </p:cNvSpPr>
+          <p:nvPr>
+            <p:ph type="sldNum" sz="quarter" idx="5"/>
+          </p:nvPr>
+        </p:nvSpPr>
+        <p:spPr/>
+        <p:txBody>
+          <a:bodyPr/>
+          <a:lstStyle/>
+          <a:p>
+            <a:fld id="{44F3ED54-F2C6-46F0-BD0F-AA1AA2497C1E}" type="slidenum">
+              <a:rPr lang="en-US" smtClean="0"/>
+              <a:t>1</a:t>
+            </a:fld>
+            <a:endParaRPr lang="en-US"/>
+          </a:p>
+        </p:txBody>
+      </p:sp>
+    </p:spTree>
+    <p:extLst>
+      <p:ext uri="{BB962C8B-B14F-4D97-AF65-F5344CB8AC3E}">
+        <p14:creationId xmlns:p14="http://schemas.microsoft.com/office/powerpoint/2010/main" val="1899892145"/>
+      </p:ext>
+    </p:extLst>
+  </p:cSld>
+  <p:clrMapOvr>
+    <a:masterClrMapping/>
+  </p:clrMapOvr>
+</p:notes>
+</file>
+
 <file path=ppt/slideLayouts/slideLayout1.xml><?xml version="1.0" encoding="utf-8"?>
 <p:sldLayout xmlns:a="http://schemas.openxmlformats.org/drawingml/2006/main" xmlns:r="http://schemas.openxmlformats.org/officeDocument/2006/relationships" xmlns:p="http://schemas.openxmlformats.org/presentationml/2006/main" type="title" preserve="1">
   <p:cSld name="Title Slide">
@@ -243,7 +690,7 @@
           <a:p>
             <a:fld id="{DA1076DE-0398-4244-944D-863820543A55}" type="datetimeFigureOut">
               <a:rPr lang="en-US" smtClean="0"/>
-              <a:t>4/15/20</a:t>
+              <a:t>4/15/2020</a:t>
             </a:fld>
             <a:endParaRPr lang="en-US"/>
           </a:p>
@@ -413,7 +860,7 @@
           <a:p>
             <a:fld id="{DA1076DE-0398-4244-944D-863820543A55}" type="datetimeFigureOut">
               <a:rPr lang="en-US" smtClean="0"/>
-              <a:t>4/15/20</a:t>
+              <a:t>4/15/2020</a:t>
             </a:fld>
             <a:endParaRPr lang="en-US"/>
           </a:p>
@@ -593,7 +1040,7 @@
           <a:p>
             <a:fld id="{DA1076DE-0398-4244-944D-863820543A55}" type="datetimeFigureOut">
               <a:rPr lang="en-US" smtClean="0"/>
-              <a:t>4/15/20</a:t>
+              <a:t>4/15/2020</a:t>
             </a:fld>
             <a:endParaRPr lang="en-US"/>
           </a:p>
@@ -763,7 +1210,7 @@
           <a:p>
             <a:fld id="{DA1076DE-0398-4244-944D-863820543A55}" type="datetimeFigureOut">
               <a:rPr lang="en-US" smtClean="0"/>
-              <a:t>4/15/20</a:t>
+              <a:t>4/15/2020</a:t>
             </a:fld>
             <a:endParaRPr lang="en-US"/>
           </a:p>
@@ -1007,7 +1454,7 @@
           <a:p>
             <a:fld id="{DA1076DE-0398-4244-944D-863820543A55}" type="datetimeFigureOut">
               <a:rPr lang="en-US" smtClean="0"/>
-              <a:t>4/15/20</a:t>
+              <a:t>4/15/2020</a:t>
             </a:fld>
             <a:endParaRPr lang="en-US"/>
           </a:p>
@@ -1239,7 +1686,7 @@
           <a:p>
             <a:fld id="{DA1076DE-0398-4244-944D-863820543A55}" type="datetimeFigureOut">
               <a:rPr lang="en-US" smtClean="0"/>
-              <a:t>4/15/20</a:t>
+              <a:t>4/15/2020</a:t>
             </a:fld>
             <a:endParaRPr lang="en-US"/>
           </a:p>
@@ -1606,7 +2053,7 @@
           <a:p>
             <a:fld id="{DA1076DE-0398-4244-944D-863820543A55}" type="datetimeFigureOut">
               <a:rPr lang="en-US" smtClean="0"/>
-              <a:t>4/15/20</a:t>
+              <a:t>4/15/2020</a:t>
             </a:fld>
             <a:endParaRPr lang="en-US"/>
           </a:p>
@@ -1724,7 +2171,7 @@
           <a:p>
             <a:fld id="{DA1076DE-0398-4244-944D-863820543A55}" type="datetimeFigureOut">
               <a:rPr lang="en-US" smtClean="0"/>
-              <a:t>4/15/20</a:t>
+              <a:t>4/15/2020</a:t>
             </a:fld>
             <a:endParaRPr lang="en-US"/>
           </a:p>
@@ -1819,7 +2266,7 @@
           <a:p>
             <a:fld id="{DA1076DE-0398-4244-944D-863820543A55}" type="datetimeFigureOut">
               <a:rPr lang="en-US" smtClean="0"/>
-              <a:t>4/15/20</a:t>
+              <a:t>4/15/2020</a:t>
             </a:fld>
             <a:endParaRPr lang="en-US"/>
           </a:p>
@@ -2096,7 +2543,7 @@
           <a:p>
             <a:fld id="{DA1076DE-0398-4244-944D-863820543A55}" type="datetimeFigureOut">
               <a:rPr lang="en-US" smtClean="0"/>
-              <a:t>4/15/20</a:t>
+              <a:t>4/15/2020</a:t>
             </a:fld>
             <a:endParaRPr lang="en-US"/>
           </a:p>
@@ -2353,7 +2800,7 @@
           <a:p>
             <a:fld id="{DA1076DE-0398-4244-944D-863820543A55}" type="datetimeFigureOut">
               <a:rPr lang="en-US" smtClean="0"/>
-              <a:t>4/15/20</a:t>
+              <a:t>4/15/2020</a:t>
             </a:fld>
             <a:endParaRPr lang="en-US"/>
           </a:p>
@@ -2566,7 +3013,7 @@
           <a:p>
             <a:fld id="{DA1076DE-0398-4244-944D-863820543A55}" type="datetimeFigureOut">
               <a:rPr lang="en-US" smtClean="0"/>
-              <a:t>4/15/20</a:t>
+              <a:t>4/15/2020</a:t>
             </a:fld>
             <a:endParaRPr lang="en-US"/>
           </a:p>
@@ -2986,7 +3433,7 @@
           <p:nvPr/>
         </p:nvPicPr>
         <p:blipFill>
-          <a:blip r:embed="rId2"/>
+          <a:blip r:embed="rId3"/>
           <a:stretch>
             <a:fillRect/>
           </a:stretch>
@@ -3016,7 +3463,7 @@
           <p:nvPr/>
         </p:nvPicPr>
         <p:blipFill rotWithShape="1">
-          <a:blip r:embed="rId3"/>
+          <a:blip r:embed="rId4"/>
           <a:srcRect l="21141" t="93559" r="70140" b="6241"/>
           <a:stretch/>
         </p:blipFill>
@@ -3045,7 +3492,7 @@
           <p:nvPr/>
         </p:nvPicPr>
         <p:blipFill rotWithShape="1">
-          <a:blip r:embed="rId4"/>
+          <a:blip r:embed="rId5"/>
           <a:srcRect l="28448" t="53976" r="39758" b="36335"/>
           <a:stretch/>
         </p:blipFill>
@@ -3362,7 +3809,7 @@
         </p:nvSpPr>
         <p:spPr>
           <a:xfrm>
-            <a:off x="4608666" y="827948"/>
+            <a:off x="4722382" y="931287"/>
             <a:ext cx="691215" cy="215444"/>
           </a:xfrm>
           <a:prstGeom prst="rect">
@@ -3412,10 +3859,9 @@
           <a:lstStyle/>
           <a:p>
             <a:r>
-              <a:rPr lang="en-US" sz="800" dirty="0" err="1"/>
+              <a:rPr lang="en-US" sz="800" dirty="0"/>
               <a:t>Diptera</a:t>
             </a:r>
-            <a:endParaRPr lang="en-US" sz="800" dirty="0"/>
           </a:p>
         </p:txBody>
       </p:sp>
@@ -3448,10 +3894,9 @@
           <a:lstStyle/>
           <a:p>
             <a:r>
-              <a:rPr lang="en-US" sz="800" dirty="0" err="1"/>
+              <a:rPr lang="en-US" sz="800" dirty="0"/>
               <a:t>Mecoptera</a:t>
             </a:r>
-            <a:endParaRPr lang="en-US" sz="800" dirty="0"/>
           </a:p>
         </p:txBody>
       </p:sp>
@@ -3473,6 +3918,1523 @@
           <a:xfrm>
             <a:off x="5953913" y="3329055"/>
             <a:ext cx="86668" cy="0"/>
+          </a:xfrm>
+          <a:prstGeom prst="line">
+            <a:avLst/>
+          </a:prstGeom>
+          <a:ln w="28575">
+            <a:solidFill>
+              <a:schemeClr val="bg1"/>
+            </a:solidFill>
+          </a:ln>
+        </p:spPr>
+        <p:style>
+          <a:lnRef idx="1">
+            <a:schemeClr val="accent1"/>
+          </a:lnRef>
+          <a:fillRef idx="0">
+            <a:schemeClr val="accent1"/>
+          </a:fillRef>
+          <a:effectRef idx="0">
+            <a:schemeClr val="accent1"/>
+          </a:effectRef>
+          <a:fontRef idx="minor">
+            <a:schemeClr val="tx1"/>
+          </a:fontRef>
+        </p:style>
+      </p:cxnSp>
+      <p:cxnSp>
+        <p:nvCxnSpPr>
+          <p:cNvPr id="21" name="Straight Connector 20">
+            <a:extLst>
+              <a:ext uri="{FF2B5EF4-FFF2-40B4-BE49-F238E27FC236}">
+                <a16:creationId xmlns:a16="http://schemas.microsoft.com/office/drawing/2014/main" id="{24E1E02F-4567-427E-B56E-D2D43390299B}"/>
+              </a:ext>
+            </a:extLst>
+          </p:cNvPr>
+          <p:cNvCxnSpPr>
+            <a:cxnSpLocks/>
+          </p:cNvCxnSpPr>
+          <p:nvPr/>
+        </p:nvCxnSpPr>
+        <p:spPr>
+          <a:xfrm>
+            <a:off x="5953913" y="3432779"/>
+            <a:ext cx="86668" cy="0"/>
+          </a:xfrm>
+          <a:prstGeom prst="line">
+            <a:avLst/>
+          </a:prstGeom>
+          <a:ln w="28575">
+            <a:solidFill>
+              <a:schemeClr val="bg1"/>
+            </a:solidFill>
+          </a:ln>
+        </p:spPr>
+        <p:style>
+          <a:lnRef idx="1">
+            <a:schemeClr val="accent1"/>
+          </a:lnRef>
+          <a:fillRef idx="0">
+            <a:schemeClr val="accent1"/>
+          </a:fillRef>
+          <a:effectRef idx="0">
+            <a:schemeClr val="accent1"/>
+          </a:effectRef>
+          <a:fontRef idx="minor">
+            <a:schemeClr val="tx1"/>
+          </a:fontRef>
+        </p:style>
+      </p:cxnSp>
+      <p:sp>
+        <p:nvSpPr>
+          <p:cNvPr id="22" name="TextBox 21">
+            <a:extLst>
+              <a:ext uri="{FF2B5EF4-FFF2-40B4-BE49-F238E27FC236}">
+                <a16:creationId xmlns:a16="http://schemas.microsoft.com/office/drawing/2014/main" id="{1338D7A7-BCE2-457E-9490-C31604F069AF}"/>
+              </a:ext>
+            </a:extLst>
+          </p:cNvPr>
+          <p:cNvSpPr txBox="1"/>
+          <p:nvPr/>
+        </p:nvSpPr>
+        <p:spPr>
+          <a:xfrm>
+            <a:off x="5999251" y="3271919"/>
+            <a:ext cx="657552" cy="215444"/>
+          </a:xfrm>
+          <a:prstGeom prst="rect">
+            <a:avLst/>
+          </a:prstGeom>
+          <a:noFill/>
+        </p:spPr>
+        <p:txBody>
+          <a:bodyPr wrap="none" rtlCol="0">
+            <a:spAutoFit/>
+          </a:bodyPr>
+          <a:lstStyle/>
+          <a:p>
+            <a:r>
+              <a:rPr lang="en-US" sz="800" dirty="0"/>
+              <a:t>Collembola</a:t>
+            </a:r>
+          </a:p>
+        </p:txBody>
+      </p:sp>
+      <p:cxnSp>
+        <p:nvCxnSpPr>
+          <p:cNvPr id="23" name="Straight Connector 22">
+            <a:extLst>
+              <a:ext uri="{FF2B5EF4-FFF2-40B4-BE49-F238E27FC236}">
+                <a16:creationId xmlns:a16="http://schemas.microsoft.com/office/drawing/2014/main" id="{03CCCE64-16BC-413C-9723-61A27AC00450}"/>
+              </a:ext>
+            </a:extLst>
+          </p:cNvPr>
+          <p:cNvCxnSpPr>
+            <a:cxnSpLocks/>
+          </p:cNvCxnSpPr>
+          <p:nvPr/>
+        </p:nvCxnSpPr>
+        <p:spPr>
+          <a:xfrm>
+            <a:off x="5832378" y="4085247"/>
+            <a:ext cx="121535" cy="40196"/>
+          </a:xfrm>
+          <a:prstGeom prst="line">
+            <a:avLst/>
+          </a:prstGeom>
+          <a:ln w="28575">
+            <a:solidFill>
+              <a:schemeClr val="bg1"/>
+            </a:solidFill>
+          </a:ln>
+        </p:spPr>
+        <p:style>
+          <a:lnRef idx="1">
+            <a:schemeClr val="accent1"/>
+          </a:lnRef>
+          <a:fillRef idx="0">
+            <a:schemeClr val="accent1"/>
+          </a:fillRef>
+          <a:effectRef idx="0">
+            <a:schemeClr val="accent1"/>
+          </a:effectRef>
+          <a:fontRef idx="minor">
+            <a:schemeClr val="tx1"/>
+          </a:fontRef>
+        </p:style>
+      </p:cxnSp>
+      <p:sp>
+        <p:nvSpPr>
+          <p:cNvPr id="24" name="TextBox 23">
+            <a:extLst>
+              <a:ext uri="{FF2B5EF4-FFF2-40B4-BE49-F238E27FC236}">
+                <a16:creationId xmlns:a16="http://schemas.microsoft.com/office/drawing/2014/main" id="{086B64C9-75A4-4CB4-B370-984A8F639086}"/>
+              </a:ext>
+            </a:extLst>
+          </p:cNvPr>
+          <p:cNvSpPr txBox="1"/>
+          <p:nvPr/>
+        </p:nvSpPr>
+        <p:spPr>
+          <a:xfrm>
+            <a:off x="5975042" y="3724268"/>
+            <a:ext cx="548548" cy="215444"/>
+          </a:xfrm>
+          <a:prstGeom prst="rect">
+            <a:avLst/>
+          </a:prstGeom>
+          <a:noFill/>
+        </p:spPr>
+        <p:txBody>
+          <a:bodyPr wrap="none" rtlCol="0">
+            <a:spAutoFit/>
+          </a:bodyPr>
+          <a:lstStyle/>
+          <a:p>
+            <a:r>
+              <a:rPr lang="en-US" sz="800" dirty="0"/>
+              <a:t>Odonata</a:t>
+            </a:r>
+          </a:p>
+        </p:txBody>
+      </p:sp>
+      <p:cxnSp>
+        <p:nvCxnSpPr>
+          <p:cNvPr id="25" name="Straight Connector 24">
+            <a:extLst>
+              <a:ext uri="{FF2B5EF4-FFF2-40B4-BE49-F238E27FC236}">
+                <a16:creationId xmlns:a16="http://schemas.microsoft.com/office/drawing/2014/main" id="{5CADE9D2-20C6-42B7-8954-DD91D5D2D705}"/>
+              </a:ext>
+            </a:extLst>
+          </p:cNvPr>
+          <p:cNvCxnSpPr>
+            <a:cxnSpLocks/>
+          </p:cNvCxnSpPr>
+          <p:nvPr/>
+        </p:nvCxnSpPr>
+        <p:spPr>
+          <a:xfrm>
+            <a:off x="5785809" y="4231915"/>
+            <a:ext cx="123836" cy="44217"/>
+          </a:xfrm>
+          <a:prstGeom prst="line">
+            <a:avLst/>
+          </a:prstGeom>
+          <a:ln w="28575">
+            <a:solidFill>
+              <a:schemeClr val="bg1"/>
+            </a:solidFill>
+          </a:ln>
+        </p:spPr>
+        <p:style>
+          <a:lnRef idx="1">
+            <a:schemeClr val="accent1"/>
+          </a:lnRef>
+          <a:fillRef idx="0">
+            <a:schemeClr val="accent1"/>
+          </a:fillRef>
+          <a:effectRef idx="0">
+            <a:schemeClr val="accent1"/>
+          </a:effectRef>
+          <a:fontRef idx="minor">
+            <a:schemeClr val="tx1"/>
+          </a:fontRef>
+        </p:style>
+      </p:cxnSp>
+      <p:sp>
+        <p:nvSpPr>
+          <p:cNvPr id="32" name="TextBox 31">
+            <a:extLst>
+              <a:ext uri="{FF2B5EF4-FFF2-40B4-BE49-F238E27FC236}">
+                <a16:creationId xmlns:a16="http://schemas.microsoft.com/office/drawing/2014/main" id="{763681D7-B708-4620-B06F-9C3C29D56953}"/>
+              </a:ext>
+            </a:extLst>
+          </p:cNvPr>
+          <p:cNvSpPr txBox="1"/>
+          <p:nvPr/>
+        </p:nvSpPr>
+        <p:spPr>
+          <a:xfrm>
+            <a:off x="5945241" y="4083780"/>
+            <a:ext cx="841897" cy="215444"/>
+          </a:xfrm>
+          <a:prstGeom prst="rect">
+            <a:avLst/>
+          </a:prstGeom>
+          <a:noFill/>
+        </p:spPr>
+        <p:txBody>
+          <a:bodyPr wrap="none" rtlCol="0">
+            <a:spAutoFit/>
+          </a:bodyPr>
+          <a:lstStyle/>
+          <a:p>
+            <a:r>
+              <a:rPr lang="en-US" sz="800" dirty="0"/>
+              <a:t>Ephemeroptera</a:t>
+            </a:r>
+          </a:p>
+        </p:txBody>
+      </p:sp>
+      <p:sp>
+        <p:nvSpPr>
+          <p:cNvPr id="33" name="TextBox 32">
+            <a:extLst>
+              <a:ext uri="{FF2B5EF4-FFF2-40B4-BE49-F238E27FC236}">
+                <a16:creationId xmlns:a16="http://schemas.microsoft.com/office/drawing/2014/main" id="{F2DEC0EF-B845-405F-A04D-190246CDA187}"/>
+              </a:ext>
+            </a:extLst>
+          </p:cNvPr>
+          <p:cNvSpPr txBox="1"/>
+          <p:nvPr/>
+        </p:nvSpPr>
+        <p:spPr>
+          <a:xfrm>
+            <a:off x="5897351" y="4176997"/>
+            <a:ext cx="596638" cy="215444"/>
+          </a:xfrm>
+          <a:prstGeom prst="rect">
+            <a:avLst/>
+          </a:prstGeom>
+          <a:noFill/>
+        </p:spPr>
+        <p:txBody>
+          <a:bodyPr wrap="none" rtlCol="0">
+            <a:spAutoFit/>
+          </a:bodyPr>
+          <a:lstStyle/>
+          <a:p>
+            <a:r>
+              <a:rPr lang="en-US" sz="800" dirty="0"/>
+              <a:t>Zoraptera</a:t>
+            </a:r>
+          </a:p>
+        </p:txBody>
+      </p:sp>
+      <p:cxnSp>
+        <p:nvCxnSpPr>
+          <p:cNvPr id="34" name="Straight Connector 33">
+            <a:extLst>
+              <a:ext uri="{FF2B5EF4-FFF2-40B4-BE49-F238E27FC236}">
+                <a16:creationId xmlns:a16="http://schemas.microsoft.com/office/drawing/2014/main" id="{536FEF24-437F-434C-843D-F8B97F434743}"/>
+              </a:ext>
+            </a:extLst>
+          </p:cNvPr>
+          <p:cNvCxnSpPr>
+            <a:cxnSpLocks/>
+          </p:cNvCxnSpPr>
+          <p:nvPr/>
+        </p:nvCxnSpPr>
+        <p:spPr>
+          <a:xfrm>
+            <a:off x="5775314" y="4272481"/>
+            <a:ext cx="113974" cy="45839"/>
+          </a:xfrm>
+          <a:prstGeom prst="line">
+            <a:avLst/>
+          </a:prstGeom>
+          <a:ln w="28575">
+            <a:solidFill>
+              <a:schemeClr val="bg1"/>
+            </a:solidFill>
+          </a:ln>
+        </p:spPr>
+        <p:style>
+          <a:lnRef idx="1">
+            <a:schemeClr val="accent1"/>
+          </a:lnRef>
+          <a:fillRef idx="0">
+            <a:schemeClr val="accent1"/>
+          </a:fillRef>
+          <a:effectRef idx="0">
+            <a:schemeClr val="accent1"/>
+          </a:effectRef>
+          <a:fontRef idx="minor">
+            <a:schemeClr val="tx1"/>
+          </a:fontRef>
+        </p:style>
+      </p:cxnSp>
+      <p:cxnSp>
+        <p:nvCxnSpPr>
+          <p:cNvPr id="35" name="Straight Connector 34">
+            <a:extLst>
+              <a:ext uri="{FF2B5EF4-FFF2-40B4-BE49-F238E27FC236}">
+                <a16:creationId xmlns:a16="http://schemas.microsoft.com/office/drawing/2014/main" id="{BCCEAA33-C1E5-45CE-8BD8-D7DB4078EE30}"/>
+              </a:ext>
+            </a:extLst>
+          </p:cNvPr>
+          <p:cNvCxnSpPr>
+            <a:cxnSpLocks/>
+          </p:cNvCxnSpPr>
+          <p:nvPr/>
+        </p:nvCxnSpPr>
+        <p:spPr>
+          <a:xfrm>
+            <a:off x="5735209" y="4336507"/>
+            <a:ext cx="112518" cy="50468"/>
+          </a:xfrm>
+          <a:prstGeom prst="line">
+            <a:avLst/>
+          </a:prstGeom>
+          <a:ln w="28575">
+            <a:solidFill>
+              <a:schemeClr val="bg1"/>
+            </a:solidFill>
+          </a:ln>
+        </p:spPr>
+        <p:style>
+          <a:lnRef idx="1">
+            <a:schemeClr val="accent1"/>
+          </a:lnRef>
+          <a:fillRef idx="0">
+            <a:schemeClr val="accent1"/>
+          </a:fillRef>
+          <a:effectRef idx="0">
+            <a:schemeClr val="accent1"/>
+          </a:effectRef>
+          <a:fontRef idx="minor">
+            <a:schemeClr val="tx1"/>
+          </a:fontRef>
+        </p:style>
+      </p:cxnSp>
+      <p:sp>
+        <p:nvSpPr>
+          <p:cNvPr id="42" name="TextBox 41">
+            <a:extLst>
+              <a:ext uri="{FF2B5EF4-FFF2-40B4-BE49-F238E27FC236}">
+                <a16:creationId xmlns:a16="http://schemas.microsoft.com/office/drawing/2014/main" id="{035B819C-B4F5-4D6B-B4E7-6A96980C529C}"/>
+              </a:ext>
+            </a:extLst>
+          </p:cNvPr>
+          <p:cNvSpPr txBox="1"/>
+          <p:nvPr/>
+        </p:nvSpPr>
+        <p:spPr>
+          <a:xfrm>
+            <a:off x="5842871" y="4262618"/>
+            <a:ext cx="689612" cy="215444"/>
+          </a:xfrm>
+          <a:prstGeom prst="rect">
+            <a:avLst/>
+          </a:prstGeom>
+          <a:noFill/>
+        </p:spPr>
+        <p:txBody>
+          <a:bodyPr wrap="none" rtlCol="0">
+            <a:spAutoFit/>
+          </a:bodyPr>
+          <a:lstStyle/>
+          <a:p>
+            <a:r>
+              <a:rPr lang="en-US" sz="800" dirty="0"/>
+              <a:t>Dermaptera</a:t>
+            </a:r>
+          </a:p>
+        </p:txBody>
+      </p:sp>
+      <p:cxnSp>
+        <p:nvCxnSpPr>
+          <p:cNvPr id="43" name="Straight Connector 42">
+            <a:extLst>
+              <a:ext uri="{FF2B5EF4-FFF2-40B4-BE49-F238E27FC236}">
+                <a16:creationId xmlns:a16="http://schemas.microsoft.com/office/drawing/2014/main" id="{AF946424-20CF-48E8-AAB6-53980E3CBEC6}"/>
+              </a:ext>
+            </a:extLst>
+          </p:cNvPr>
+          <p:cNvCxnSpPr>
+            <a:cxnSpLocks/>
+          </p:cNvCxnSpPr>
+          <p:nvPr/>
+        </p:nvCxnSpPr>
+        <p:spPr>
+          <a:xfrm>
+            <a:off x="5710858" y="4399911"/>
+            <a:ext cx="231295" cy="119195"/>
+          </a:xfrm>
+          <a:prstGeom prst="line">
+            <a:avLst/>
+          </a:prstGeom>
+          <a:ln w="28575">
+            <a:solidFill>
+              <a:schemeClr val="bg1"/>
+            </a:solidFill>
+          </a:ln>
+        </p:spPr>
+        <p:style>
+          <a:lnRef idx="1">
+            <a:schemeClr val="accent1"/>
+          </a:lnRef>
+          <a:fillRef idx="0">
+            <a:schemeClr val="accent1"/>
+          </a:fillRef>
+          <a:effectRef idx="0">
+            <a:schemeClr val="accent1"/>
+          </a:effectRef>
+          <a:fontRef idx="minor">
+            <a:schemeClr val="tx1"/>
+          </a:fontRef>
+        </p:style>
+      </p:cxnSp>
+      <p:sp>
+        <p:nvSpPr>
+          <p:cNvPr id="63" name="TextBox 62">
+            <a:extLst>
+              <a:ext uri="{FF2B5EF4-FFF2-40B4-BE49-F238E27FC236}">
+                <a16:creationId xmlns:a16="http://schemas.microsoft.com/office/drawing/2014/main" id="{D3356D71-CAD2-411B-93DE-49EC2A7C54C7}"/>
+              </a:ext>
+            </a:extLst>
+          </p:cNvPr>
+          <p:cNvSpPr txBox="1"/>
+          <p:nvPr/>
+        </p:nvSpPr>
+        <p:spPr>
+          <a:xfrm>
+            <a:off x="5778855" y="4349443"/>
+            <a:ext cx="654346" cy="215444"/>
+          </a:xfrm>
+          <a:prstGeom prst="rect">
+            <a:avLst/>
+          </a:prstGeom>
+          <a:noFill/>
+        </p:spPr>
+        <p:txBody>
+          <a:bodyPr wrap="none" rtlCol="0">
+            <a:spAutoFit/>
+          </a:bodyPr>
+          <a:lstStyle/>
+          <a:p>
+            <a:r>
+              <a:rPr lang="en-US" sz="800" dirty="0"/>
+              <a:t>Orthoptera</a:t>
+            </a:r>
+          </a:p>
+        </p:txBody>
+      </p:sp>
+      <p:cxnSp>
+        <p:nvCxnSpPr>
+          <p:cNvPr id="64" name="Straight Connector 63">
+            <a:extLst>
+              <a:ext uri="{FF2B5EF4-FFF2-40B4-BE49-F238E27FC236}">
+                <a16:creationId xmlns:a16="http://schemas.microsoft.com/office/drawing/2014/main" id="{B2581B1E-C262-4E68-BCEC-61E270016C56}"/>
+              </a:ext>
+            </a:extLst>
+          </p:cNvPr>
+          <p:cNvCxnSpPr>
+            <a:cxnSpLocks/>
+          </p:cNvCxnSpPr>
+          <p:nvPr/>
+        </p:nvCxnSpPr>
+        <p:spPr>
+          <a:xfrm>
+            <a:off x="5679573" y="4478126"/>
+            <a:ext cx="163298" cy="81961"/>
+          </a:xfrm>
+          <a:prstGeom prst="line">
+            <a:avLst/>
+          </a:prstGeom>
+          <a:ln w="28575">
+            <a:solidFill>
+              <a:schemeClr val="bg1"/>
+            </a:solidFill>
+          </a:ln>
+        </p:spPr>
+        <p:style>
+          <a:lnRef idx="1">
+            <a:schemeClr val="accent1"/>
+          </a:lnRef>
+          <a:fillRef idx="0">
+            <a:schemeClr val="accent1"/>
+          </a:fillRef>
+          <a:effectRef idx="0">
+            <a:schemeClr val="accent1"/>
+          </a:effectRef>
+          <a:fontRef idx="minor">
+            <a:schemeClr val="tx1"/>
+          </a:fontRef>
+        </p:style>
+      </p:cxnSp>
+      <p:sp>
+        <p:nvSpPr>
+          <p:cNvPr id="70" name="TextBox 69">
+            <a:extLst>
+              <a:ext uri="{FF2B5EF4-FFF2-40B4-BE49-F238E27FC236}">
+                <a16:creationId xmlns:a16="http://schemas.microsoft.com/office/drawing/2014/main" id="{E77DCB4D-635A-4E64-B90C-09C0D20B465C}"/>
+              </a:ext>
+            </a:extLst>
+          </p:cNvPr>
+          <p:cNvSpPr txBox="1"/>
+          <p:nvPr/>
+        </p:nvSpPr>
+        <p:spPr>
+          <a:xfrm>
+            <a:off x="5711843" y="4429356"/>
+            <a:ext cx="620683" cy="215444"/>
+          </a:xfrm>
+          <a:prstGeom prst="rect">
+            <a:avLst/>
+          </a:prstGeom>
+          <a:noFill/>
+        </p:spPr>
+        <p:txBody>
+          <a:bodyPr wrap="none" rtlCol="0">
+            <a:spAutoFit/>
+          </a:bodyPr>
+          <a:lstStyle/>
+          <a:p>
+            <a:r>
+              <a:rPr lang="en-US" sz="800" dirty="0"/>
+              <a:t>Mantodea</a:t>
+            </a:r>
+          </a:p>
+        </p:txBody>
+      </p:sp>
+      <p:cxnSp>
+        <p:nvCxnSpPr>
+          <p:cNvPr id="72" name="Straight Connector 71">
+            <a:extLst>
+              <a:ext uri="{FF2B5EF4-FFF2-40B4-BE49-F238E27FC236}">
+                <a16:creationId xmlns:a16="http://schemas.microsoft.com/office/drawing/2014/main" id="{9738AE9A-D99C-40AD-A3C8-733B7159CDCA}"/>
+              </a:ext>
+            </a:extLst>
+          </p:cNvPr>
+          <p:cNvCxnSpPr>
+            <a:cxnSpLocks/>
+          </p:cNvCxnSpPr>
+          <p:nvPr/>
+        </p:nvCxnSpPr>
+        <p:spPr>
+          <a:xfrm>
+            <a:off x="5614036" y="4586904"/>
+            <a:ext cx="164819" cy="94811"/>
+          </a:xfrm>
+          <a:prstGeom prst="line">
+            <a:avLst/>
+          </a:prstGeom>
+          <a:ln w="28575">
+            <a:solidFill>
+              <a:schemeClr val="bg1"/>
+            </a:solidFill>
+          </a:ln>
+        </p:spPr>
+        <p:style>
+          <a:lnRef idx="1">
+            <a:schemeClr val="accent1"/>
+          </a:lnRef>
+          <a:fillRef idx="0">
+            <a:schemeClr val="accent1"/>
+          </a:fillRef>
+          <a:effectRef idx="0">
+            <a:schemeClr val="accent1"/>
+          </a:effectRef>
+          <a:fontRef idx="minor">
+            <a:schemeClr val="tx1"/>
+          </a:fontRef>
+        </p:style>
+      </p:cxnSp>
+      <p:sp>
+        <p:nvSpPr>
+          <p:cNvPr id="71" name="TextBox 70">
+            <a:extLst>
+              <a:ext uri="{FF2B5EF4-FFF2-40B4-BE49-F238E27FC236}">
+                <a16:creationId xmlns:a16="http://schemas.microsoft.com/office/drawing/2014/main" id="{59623D3B-6FA3-49DD-AE7D-84323CBB44AC}"/>
+              </a:ext>
+            </a:extLst>
+          </p:cNvPr>
+          <p:cNvSpPr txBox="1"/>
+          <p:nvPr/>
+        </p:nvSpPr>
+        <p:spPr>
+          <a:xfrm>
+            <a:off x="5667063" y="4526587"/>
+            <a:ext cx="591829" cy="215444"/>
+          </a:xfrm>
+          <a:prstGeom prst="rect">
+            <a:avLst/>
+          </a:prstGeom>
+          <a:noFill/>
+        </p:spPr>
+        <p:txBody>
+          <a:bodyPr wrap="none" rtlCol="0">
+            <a:spAutoFit/>
+          </a:bodyPr>
+          <a:lstStyle/>
+          <a:p>
+            <a:r>
+              <a:rPr lang="en-US" sz="800" dirty="0"/>
+              <a:t>Blattodea</a:t>
+            </a:r>
+          </a:p>
+        </p:txBody>
+      </p:sp>
+      <p:cxnSp>
+        <p:nvCxnSpPr>
+          <p:cNvPr id="74" name="Straight Connector 73">
+            <a:extLst>
+              <a:ext uri="{FF2B5EF4-FFF2-40B4-BE49-F238E27FC236}">
+                <a16:creationId xmlns:a16="http://schemas.microsoft.com/office/drawing/2014/main" id="{8BE32AB3-7AA4-4D4A-BE01-D813E61FAB93}"/>
+              </a:ext>
+            </a:extLst>
+          </p:cNvPr>
+          <p:cNvCxnSpPr>
+            <a:cxnSpLocks/>
+          </p:cNvCxnSpPr>
+          <p:nvPr/>
+        </p:nvCxnSpPr>
+        <p:spPr>
+          <a:xfrm>
+            <a:off x="5437981" y="4887870"/>
+            <a:ext cx="72757" cy="52671"/>
+          </a:xfrm>
+          <a:prstGeom prst="line">
+            <a:avLst/>
+          </a:prstGeom>
+          <a:ln w="28575">
+            <a:solidFill>
+              <a:schemeClr val="bg1"/>
+            </a:solidFill>
+          </a:ln>
+        </p:spPr>
+        <p:style>
+          <a:lnRef idx="1">
+            <a:schemeClr val="accent1"/>
+          </a:lnRef>
+          <a:fillRef idx="0">
+            <a:schemeClr val="accent1"/>
+          </a:fillRef>
+          <a:effectRef idx="0">
+            <a:schemeClr val="accent1"/>
+          </a:effectRef>
+          <a:fontRef idx="minor">
+            <a:schemeClr val="tx1"/>
+          </a:fontRef>
+        </p:style>
+      </p:cxnSp>
+      <p:sp>
+        <p:nvSpPr>
+          <p:cNvPr id="78" name="TextBox 77">
+            <a:extLst>
+              <a:ext uri="{FF2B5EF4-FFF2-40B4-BE49-F238E27FC236}">
+                <a16:creationId xmlns:a16="http://schemas.microsoft.com/office/drawing/2014/main" id="{67728DFE-5B82-4A23-BF88-C0DACC0F4F38}"/>
+              </a:ext>
+            </a:extLst>
+          </p:cNvPr>
+          <p:cNvSpPr txBox="1"/>
+          <p:nvPr/>
+        </p:nvSpPr>
+        <p:spPr>
+          <a:xfrm>
+            <a:off x="5560191" y="4706629"/>
+            <a:ext cx="529312" cy="215444"/>
+          </a:xfrm>
+          <a:prstGeom prst="rect">
+            <a:avLst/>
+          </a:prstGeom>
+          <a:noFill/>
+        </p:spPr>
+        <p:txBody>
+          <a:bodyPr wrap="none" rtlCol="0">
+            <a:spAutoFit/>
+          </a:bodyPr>
+          <a:lstStyle/>
+          <a:p>
+            <a:r>
+              <a:rPr lang="en-US" sz="800" dirty="0"/>
+              <a:t>Isoptera</a:t>
+            </a:r>
+          </a:p>
+        </p:txBody>
+      </p:sp>
+      <p:cxnSp>
+        <p:nvCxnSpPr>
+          <p:cNvPr id="79" name="Straight Connector 78">
+            <a:extLst>
+              <a:ext uri="{FF2B5EF4-FFF2-40B4-BE49-F238E27FC236}">
+                <a16:creationId xmlns:a16="http://schemas.microsoft.com/office/drawing/2014/main" id="{DD0A43BD-9447-422C-A537-D561E56B564A}"/>
+              </a:ext>
+            </a:extLst>
+          </p:cNvPr>
+          <p:cNvCxnSpPr>
+            <a:cxnSpLocks/>
+          </p:cNvCxnSpPr>
+          <p:nvPr/>
+        </p:nvCxnSpPr>
+        <p:spPr>
+          <a:xfrm>
+            <a:off x="5023661" y="5287123"/>
+            <a:ext cx="72757" cy="88019"/>
+          </a:xfrm>
+          <a:prstGeom prst="line">
+            <a:avLst/>
+          </a:prstGeom>
+          <a:ln w="28575">
+            <a:solidFill>
+              <a:schemeClr val="bg1"/>
+            </a:solidFill>
+          </a:ln>
+        </p:spPr>
+        <p:style>
+          <a:lnRef idx="1">
+            <a:schemeClr val="accent1"/>
+          </a:lnRef>
+          <a:fillRef idx="0">
+            <a:schemeClr val="accent1"/>
+          </a:fillRef>
+          <a:effectRef idx="0">
+            <a:schemeClr val="accent1"/>
+          </a:effectRef>
+          <a:fontRef idx="minor">
+            <a:schemeClr val="tx1"/>
+          </a:fontRef>
+        </p:style>
+      </p:cxnSp>
+      <p:sp>
+        <p:nvSpPr>
+          <p:cNvPr id="81" name="TextBox 80">
+            <a:extLst>
+              <a:ext uri="{FF2B5EF4-FFF2-40B4-BE49-F238E27FC236}">
+                <a16:creationId xmlns:a16="http://schemas.microsoft.com/office/drawing/2014/main" id="{25C09C3A-24E4-4CCD-B07B-EF4C638940CB}"/>
+              </a:ext>
+            </a:extLst>
+          </p:cNvPr>
+          <p:cNvSpPr txBox="1"/>
+          <p:nvPr/>
+        </p:nvSpPr>
+        <p:spPr>
+          <a:xfrm>
+            <a:off x="5234828" y="5108917"/>
+            <a:ext cx="591829" cy="215444"/>
+          </a:xfrm>
+          <a:prstGeom prst="rect">
+            <a:avLst/>
+          </a:prstGeom>
+          <a:noFill/>
+        </p:spPr>
+        <p:txBody>
+          <a:bodyPr wrap="none" rtlCol="0">
+            <a:spAutoFit/>
+          </a:bodyPr>
+          <a:lstStyle/>
+          <a:p>
+            <a:r>
+              <a:rPr lang="en-US" sz="800" dirty="0"/>
+              <a:t>Blattodea</a:t>
+            </a:r>
+          </a:p>
+        </p:txBody>
+      </p:sp>
+      <p:cxnSp>
+        <p:nvCxnSpPr>
+          <p:cNvPr id="82" name="Straight Connector 81">
+            <a:extLst>
+              <a:ext uri="{FF2B5EF4-FFF2-40B4-BE49-F238E27FC236}">
+                <a16:creationId xmlns:a16="http://schemas.microsoft.com/office/drawing/2014/main" id="{4638EAA1-2A5D-4630-8C48-1940B7508E2C}"/>
+              </a:ext>
+            </a:extLst>
+          </p:cNvPr>
+          <p:cNvCxnSpPr>
+            <a:cxnSpLocks/>
+          </p:cNvCxnSpPr>
+          <p:nvPr/>
+        </p:nvCxnSpPr>
+        <p:spPr>
+          <a:xfrm>
+            <a:off x="4762321" y="5477496"/>
+            <a:ext cx="70439" cy="105297"/>
+          </a:xfrm>
+          <a:prstGeom prst="line">
+            <a:avLst/>
+          </a:prstGeom>
+          <a:ln w="28575">
+            <a:solidFill>
+              <a:schemeClr val="bg1"/>
+            </a:solidFill>
+          </a:ln>
+        </p:spPr>
+        <p:style>
+          <a:lnRef idx="1">
+            <a:schemeClr val="accent1"/>
+          </a:lnRef>
+          <a:fillRef idx="0">
+            <a:schemeClr val="accent1"/>
+          </a:fillRef>
+          <a:effectRef idx="0">
+            <a:schemeClr val="accent1"/>
+          </a:effectRef>
+          <a:fontRef idx="minor">
+            <a:schemeClr val="tx1"/>
+          </a:fontRef>
+        </p:style>
+      </p:cxnSp>
+      <p:sp>
+        <p:nvSpPr>
+          <p:cNvPr id="88" name="TextBox 87">
+            <a:extLst>
+              <a:ext uri="{FF2B5EF4-FFF2-40B4-BE49-F238E27FC236}">
+                <a16:creationId xmlns:a16="http://schemas.microsoft.com/office/drawing/2014/main" id="{0F752100-6857-4A35-8E2D-F79C1FAAC69C}"/>
+              </a:ext>
+            </a:extLst>
+          </p:cNvPr>
+          <p:cNvSpPr txBox="1"/>
+          <p:nvPr/>
+        </p:nvSpPr>
+        <p:spPr>
+          <a:xfrm>
+            <a:off x="4872264" y="5422422"/>
+            <a:ext cx="756938" cy="215444"/>
+          </a:xfrm>
+          <a:prstGeom prst="rect">
+            <a:avLst/>
+          </a:prstGeom>
+          <a:noFill/>
+        </p:spPr>
+        <p:txBody>
+          <a:bodyPr wrap="none" rtlCol="0">
+            <a:spAutoFit/>
+          </a:bodyPr>
+          <a:lstStyle/>
+          <a:p>
+            <a:r>
+              <a:rPr lang="en-US" sz="800" dirty="0"/>
+              <a:t>Phasmatodea</a:t>
+            </a:r>
+          </a:p>
+        </p:txBody>
+      </p:sp>
+      <p:cxnSp>
+        <p:nvCxnSpPr>
+          <p:cNvPr id="89" name="Straight Connector 88">
+            <a:extLst>
+              <a:ext uri="{FF2B5EF4-FFF2-40B4-BE49-F238E27FC236}">
+                <a16:creationId xmlns:a16="http://schemas.microsoft.com/office/drawing/2014/main" id="{1413B3CA-CC95-424A-9AA0-5F2D0AF1A84D}"/>
+              </a:ext>
+            </a:extLst>
+          </p:cNvPr>
+          <p:cNvCxnSpPr>
+            <a:cxnSpLocks/>
+          </p:cNvCxnSpPr>
+          <p:nvPr/>
+        </p:nvCxnSpPr>
+        <p:spPr>
+          <a:xfrm>
+            <a:off x="4727101" y="5516805"/>
+            <a:ext cx="58471" cy="105297"/>
+          </a:xfrm>
+          <a:prstGeom prst="line">
+            <a:avLst/>
+          </a:prstGeom>
+          <a:ln w="28575">
+            <a:solidFill>
+              <a:schemeClr val="bg1"/>
+            </a:solidFill>
+          </a:ln>
+        </p:spPr>
+        <p:style>
+          <a:lnRef idx="1">
+            <a:schemeClr val="accent1"/>
+          </a:lnRef>
+          <a:fillRef idx="0">
+            <a:schemeClr val="accent1"/>
+          </a:fillRef>
+          <a:effectRef idx="0">
+            <a:schemeClr val="accent1"/>
+          </a:effectRef>
+          <a:fontRef idx="minor">
+            <a:schemeClr val="tx1"/>
+          </a:fontRef>
+        </p:style>
+      </p:cxnSp>
+      <p:sp>
+        <p:nvSpPr>
+          <p:cNvPr id="92" name="TextBox 91">
+            <a:extLst>
+              <a:ext uri="{FF2B5EF4-FFF2-40B4-BE49-F238E27FC236}">
+                <a16:creationId xmlns:a16="http://schemas.microsoft.com/office/drawing/2014/main" id="{3E66FB75-0102-4C37-9F52-86EF56B407BA}"/>
+              </a:ext>
+            </a:extLst>
+          </p:cNvPr>
+          <p:cNvSpPr txBox="1"/>
+          <p:nvPr/>
+        </p:nvSpPr>
+        <p:spPr>
+          <a:xfrm>
+            <a:off x="4711938" y="5521867"/>
+            <a:ext cx="758541" cy="215444"/>
+          </a:xfrm>
+          <a:prstGeom prst="rect">
+            <a:avLst/>
+          </a:prstGeom>
+          <a:noFill/>
+        </p:spPr>
+        <p:txBody>
+          <a:bodyPr wrap="none" rtlCol="0">
+            <a:spAutoFit/>
+          </a:bodyPr>
+          <a:lstStyle/>
+          <a:p>
+            <a:r>
+              <a:rPr lang="en-US" sz="800" dirty="0"/>
+              <a:t>Thysanoptera</a:t>
+            </a:r>
+          </a:p>
+        </p:txBody>
+      </p:sp>
+      <p:cxnSp>
+        <p:nvCxnSpPr>
+          <p:cNvPr id="93" name="Straight Connector 92">
+            <a:extLst>
+              <a:ext uri="{FF2B5EF4-FFF2-40B4-BE49-F238E27FC236}">
+                <a16:creationId xmlns:a16="http://schemas.microsoft.com/office/drawing/2014/main" id="{0CDE010A-3C6C-40B5-915F-A343B83EB9E9}"/>
+              </a:ext>
+            </a:extLst>
+          </p:cNvPr>
+          <p:cNvCxnSpPr>
+            <a:cxnSpLocks/>
+          </p:cNvCxnSpPr>
+          <p:nvPr/>
+        </p:nvCxnSpPr>
+        <p:spPr>
+          <a:xfrm flipH="1">
+            <a:off x="2046996" y="5500668"/>
+            <a:ext cx="83904" cy="137198"/>
+          </a:xfrm>
+          <a:prstGeom prst="line">
+            <a:avLst/>
+          </a:prstGeom>
+          <a:ln w="28575">
+            <a:solidFill>
+              <a:schemeClr val="bg1"/>
+            </a:solidFill>
+          </a:ln>
+        </p:spPr>
+        <p:style>
+          <a:lnRef idx="1">
+            <a:schemeClr val="accent1"/>
+          </a:lnRef>
+          <a:fillRef idx="0">
+            <a:schemeClr val="accent1"/>
+          </a:fillRef>
+          <a:effectRef idx="0">
+            <a:schemeClr val="accent1"/>
+          </a:effectRef>
+          <a:fontRef idx="minor">
+            <a:schemeClr val="tx1"/>
+          </a:fontRef>
+        </p:style>
+      </p:cxnSp>
+      <p:sp>
+        <p:nvSpPr>
+          <p:cNvPr id="99" name="TextBox 98">
+            <a:extLst>
+              <a:ext uri="{FF2B5EF4-FFF2-40B4-BE49-F238E27FC236}">
+                <a16:creationId xmlns:a16="http://schemas.microsoft.com/office/drawing/2014/main" id="{5388AC8C-9803-4D58-BB27-95BB99FE166B}"/>
+              </a:ext>
+            </a:extLst>
+          </p:cNvPr>
+          <p:cNvSpPr txBox="1"/>
+          <p:nvPr/>
+        </p:nvSpPr>
+        <p:spPr>
+          <a:xfrm>
+            <a:off x="3049728" y="5935864"/>
+            <a:ext cx="630301" cy="215444"/>
+          </a:xfrm>
+          <a:prstGeom prst="rect">
+            <a:avLst/>
+          </a:prstGeom>
+          <a:noFill/>
+        </p:spPr>
+        <p:txBody>
+          <a:bodyPr wrap="none" rtlCol="0">
+            <a:spAutoFit/>
+          </a:bodyPr>
+          <a:lstStyle/>
+          <a:p>
+            <a:r>
+              <a:rPr lang="en-US" sz="800" dirty="0"/>
+              <a:t>Hemiptera</a:t>
+            </a:r>
+          </a:p>
+        </p:txBody>
+      </p:sp>
+      <p:cxnSp>
+        <p:nvCxnSpPr>
+          <p:cNvPr id="100" name="Straight Connector 99">
+            <a:extLst>
+              <a:ext uri="{FF2B5EF4-FFF2-40B4-BE49-F238E27FC236}">
+                <a16:creationId xmlns:a16="http://schemas.microsoft.com/office/drawing/2014/main" id="{30C6E082-67D7-4CA8-BD96-5F90F3D4BCFA}"/>
+              </a:ext>
+            </a:extLst>
+          </p:cNvPr>
+          <p:cNvCxnSpPr>
+            <a:cxnSpLocks/>
+          </p:cNvCxnSpPr>
+          <p:nvPr/>
+        </p:nvCxnSpPr>
+        <p:spPr>
+          <a:xfrm flipH="1">
+            <a:off x="1979853" y="5442118"/>
+            <a:ext cx="67143" cy="88026"/>
+          </a:xfrm>
+          <a:prstGeom prst="line">
+            <a:avLst/>
+          </a:prstGeom>
+          <a:ln w="28575">
+            <a:solidFill>
+              <a:schemeClr val="bg1"/>
+            </a:solidFill>
+          </a:ln>
+        </p:spPr>
+        <p:style>
+          <a:lnRef idx="1">
+            <a:schemeClr val="accent1"/>
+          </a:lnRef>
+          <a:fillRef idx="0">
+            <a:schemeClr val="accent1"/>
+          </a:fillRef>
+          <a:effectRef idx="0">
+            <a:schemeClr val="accent1"/>
+          </a:effectRef>
+          <a:fontRef idx="minor">
+            <a:schemeClr val="tx1"/>
+          </a:fontRef>
+        </p:style>
+      </p:cxnSp>
+      <p:sp>
+        <p:nvSpPr>
+          <p:cNvPr id="102" name="TextBox 101">
+            <a:extLst>
+              <a:ext uri="{FF2B5EF4-FFF2-40B4-BE49-F238E27FC236}">
+                <a16:creationId xmlns:a16="http://schemas.microsoft.com/office/drawing/2014/main" id="{AA8C84A8-4012-44E1-902A-3008869E1488}"/>
+              </a:ext>
+            </a:extLst>
+          </p:cNvPr>
+          <p:cNvSpPr txBox="1"/>
+          <p:nvPr/>
+        </p:nvSpPr>
+        <p:spPr>
+          <a:xfrm>
+            <a:off x="1476554" y="5517222"/>
+            <a:ext cx="654346" cy="215444"/>
+          </a:xfrm>
+          <a:prstGeom prst="rect">
+            <a:avLst/>
+          </a:prstGeom>
+          <a:noFill/>
+        </p:spPr>
+        <p:txBody>
+          <a:bodyPr wrap="none" rtlCol="0">
+            <a:spAutoFit/>
+          </a:bodyPr>
+          <a:lstStyle/>
+          <a:p>
+            <a:r>
+              <a:rPr lang="en-US" sz="800" dirty="0"/>
+              <a:t>Psocoptera</a:t>
+            </a:r>
+          </a:p>
+        </p:txBody>
+      </p:sp>
+      <p:cxnSp>
+        <p:nvCxnSpPr>
+          <p:cNvPr id="103" name="Straight Connector 102">
+            <a:extLst>
+              <a:ext uri="{FF2B5EF4-FFF2-40B4-BE49-F238E27FC236}">
+                <a16:creationId xmlns:a16="http://schemas.microsoft.com/office/drawing/2014/main" id="{43D33212-3B8E-4729-B04B-FA76FE5F401A}"/>
+              </a:ext>
+            </a:extLst>
+          </p:cNvPr>
+          <p:cNvCxnSpPr>
+            <a:cxnSpLocks/>
+          </p:cNvCxnSpPr>
+          <p:nvPr/>
+        </p:nvCxnSpPr>
+        <p:spPr>
+          <a:xfrm flipH="1">
+            <a:off x="1924881" y="5407652"/>
+            <a:ext cx="75757" cy="96851"/>
+          </a:xfrm>
+          <a:prstGeom prst="line">
+            <a:avLst/>
+          </a:prstGeom>
+          <a:ln w="28575">
+            <a:solidFill>
+              <a:schemeClr val="bg1"/>
+            </a:solidFill>
+          </a:ln>
+        </p:spPr>
+        <p:style>
+          <a:lnRef idx="1">
+            <a:schemeClr val="accent1"/>
+          </a:lnRef>
+          <a:fillRef idx="0">
+            <a:schemeClr val="accent1"/>
+          </a:fillRef>
+          <a:effectRef idx="0">
+            <a:schemeClr val="accent1"/>
+          </a:effectRef>
+          <a:fontRef idx="minor">
+            <a:schemeClr val="tx1"/>
+          </a:fontRef>
+        </p:style>
+      </p:cxnSp>
+      <p:sp>
+        <p:nvSpPr>
+          <p:cNvPr id="105" name="TextBox 104">
+            <a:extLst>
+              <a:ext uri="{FF2B5EF4-FFF2-40B4-BE49-F238E27FC236}">
+                <a16:creationId xmlns:a16="http://schemas.microsoft.com/office/drawing/2014/main" id="{BEB95C72-3DD4-496F-8B53-4F4A955F6B5E}"/>
+              </a:ext>
+            </a:extLst>
+          </p:cNvPr>
+          <p:cNvSpPr txBox="1"/>
+          <p:nvPr/>
+        </p:nvSpPr>
+        <p:spPr>
+          <a:xfrm>
+            <a:off x="1319116" y="5412511"/>
+            <a:ext cx="713657" cy="215444"/>
+          </a:xfrm>
+          <a:prstGeom prst="rect">
+            <a:avLst/>
+          </a:prstGeom>
+          <a:noFill/>
+        </p:spPr>
+        <p:txBody>
+          <a:bodyPr wrap="none" rtlCol="0">
+            <a:spAutoFit/>
+          </a:bodyPr>
+          <a:lstStyle/>
+          <a:p>
+            <a:r>
+              <a:rPr lang="en-US" sz="800" dirty="0"/>
+              <a:t>Phthiraptera</a:t>
+            </a:r>
+          </a:p>
+        </p:txBody>
+      </p:sp>
+      <p:cxnSp>
+        <p:nvCxnSpPr>
+          <p:cNvPr id="107" name="Straight Connector 106">
+            <a:extLst>
+              <a:ext uri="{FF2B5EF4-FFF2-40B4-BE49-F238E27FC236}">
+                <a16:creationId xmlns:a16="http://schemas.microsoft.com/office/drawing/2014/main" id="{73808379-8AFF-455B-8421-929957DFFB89}"/>
+              </a:ext>
+            </a:extLst>
+          </p:cNvPr>
+          <p:cNvCxnSpPr>
+            <a:cxnSpLocks/>
+          </p:cNvCxnSpPr>
+          <p:nvPr/>
+        </p:nvCxnSpPr>
+        <p:spPr>
+          <a:xfrm flipH="1" flipV="1">
+            <a:off x="685801" y="2932650"/>
+            <a:ext cx="263236" cy="45124"/>
+          </a:xfrm>
+          <a:prstGeom prst="line">
+            <a:avLst/>
+          </a:prstGeom>
+          <a:ln w="28575">
+            <a:solidFill>
+              <a:schemeClr val="bg1"/>
+            </a:solidFill>
+          </a:ln>
+        </p:spPr>
+        <p:style>
+          <a:lnRef idx="1">
+            <a:schemeClr val="accent1"/>
+          </a:lnRef>
+          <a:fillRef idx="0">
+            <a:schemeClr val="accent1"/>
+          </a:fillRef>
+          <a:effectRef idx="0">
+            <a:schemeClr val="accent1"/>
+          </a:effectRef>
+          <a:fontRef idx="minor">
+            <a:schemeClr val="tx1"/>
+          </a:fontRef>
+        </p:style>
+      </p:cxnSp>
+      <p:sp>
+        <p:nvSpPr>
+          <p:cNvPr id="112" name="TextBox 111">
+            <a:extLst>
+              <a:ext uri="{FF2B5EF4-FFF2-40B4-BE49-F238E27FC236}">
+                <a16:creationId xmlns:a16="http://schemas.microsoft.com/office/drawing/2014/main" id="{F132771E-0DF8-4040-B31E-7337733B6DB4}"/>
+              </a:ext>
+            </a:extLst>
+          </p:cNvPr>
+          <p:cNvSpPr txBox="1"/>
+          <p:nvPr/>
+        </p:nvSpPr>
+        <p:spPr>
+          <a:xfrm>
+            <a:off x="354057" y="4292189"/>
+            <a:ext cx="761747" cy="215444"/>
+          </a:xfrm>
+          <a:prstGeom prst="rect">
+            <a:avLst/>
+          </a:prstGeom>
+          <a:noFill/>
+        </p:spPr>
+        <p:txBody>
+          <a:bodyPr wrap="none" rtlCol="0">
+            <a:spAutoFit/>
+          </a:bodyPr>
+          <a:lstStyle/>
+          <a:p>
+            <a:r>
+              <a:rPr lang="en-US" sz="800" dirty="0"/>
+              <a:t>Hymenoptera</a:t>
+            </a:r>
+          </a:p>
+        </p:txBody>
+      </p:sp>
+      <p:cxnSp>
+        <p:nvCxnSpPr>
+          <p:cNvPr id="114" name="Straight Connector 113">
+            <a:extLst>
+              <a:ext uri="{FF2B5EF4-FFF2-40B4-BE49-F238E27FC236}">
+                <a16:creationId xmlns:a16="http://schemas.microsoft.com/office/drawing/2014/main" id="{60E9C88E-53C3-450B-A5A6-02B9AF753FCB}"/>
+              </a:ext>
+            </a:extLst>
+          </p:cNvPr>
+          <p:cNvCxnSpPr>
+            <a:cxnSpLocks/>
+          </p:cNvCxnSpPr>
+          <p:nvPr/>
+        </p:nvCxnSpPr>
+        <p:spPr>
+          <a:xfrm flipH="1" flipV="1">
+            <a:off x="684684" y="2887526"/>
+            <a:ext cx="264353" cy="45124"/>
+          </a:xfrm>
+          <a:prstGeom prst="line">
+            <a:avLst/>
+          </a:prstGeom>
+          <a:ln w="28575">
+            <a:solidFill>
+              <a:schemeClr val="bg1"/>
+            </a:solidFill>
+          </a:ln>
+        </p:spPr>
+        <p:style>
+          <a:lnRef idx="1">
+            <a:schemeClr val="accent1"/>
+          </a:lnRef>
+          <a:fillRef idx="0">
+            <a:schemeClr val="accent1"/>
+          </a:fillRef>
+          <a:effectRef idx="0">
+            <a:schemeClr val="accent1"/>
+          </a:effectRef>
+          <a:fontRef idx="minor">
+            <a:schemeClr val="tx1"/>
+          </a:fontRef>
+        </p:style>
+      </p:cxnSp>
+      <p:sp>
+        <p:nvSpPr>
+          <p:cNvPr id="116" name="TextBox 115">
+            <a:extLst>
+              <a:ext uri="{FF2B5EF4-FFF2-40B4-BE49-F238E27FC236}">
+                <a16:creationId xmlns:a16="http://schemas.microsoft.com/office/drawing/2014/main" id="{964F07D5-285F-4E64-9205-8E0DFEC60996}"/>
+              </a:ext>
+            </a:extLst>
+          </p:cNvPr>
+          <p:cNvSpPr txBox="1"/>
+          <p:nvPr/>
+        </p:nvSpPr>
+        <p:spPr>
+          <a:xfrm>
+            <a:off x="142955" y="2847490"/>
+            <a:ext cx="780983" cy="215444"/>
+          </a:xfrm>
+          <a:prstGeom prst="rect">
+            <a:avLst/>
+          </a:prstGeom>
+          <a:noFill/>
+        </p:spPr>
+        <p:txBody>
+          <a:bodyPr wrap="none" rtlCol="0">
+            <a:spAutoFit/>
+          </a:bodyPr>
+          <a:lstStyle/>
+          <a:p>
+            <a:r>
+              <a:rPr lang="en-US" sz="800" dirty="0"/>
+              <a:t>Raphidioptera</a:t>
+            </a:r>
+          </a:p>
+        </p:txBody>
+      </p:sp>
+      <p:cxnSp>
+        <p:nvCxnSpPr>
+          <p:cNvPr id="117" name="Straight Connector 116">
+            <a:extLst>
+              <a:ext uri="{FF2B5EF4-FFF2-40B4-BE49-F238E27FC236}">
+                <a16:creationId xmlns:a16="http://schemas.microsoft.com/office/drawing/2014/main" id="{7934796A-0CDE-49CF-870B-86C3AB1CA421}"/>
+              </a:ext>
+            </a:extLst>
+          </p:cNvPr>
+          <p:cNvCxnSpPr>
+            <a:cxnSpLocks/>
+          </p:cNvCxnSpPr>
+          <p:nvPr/>
+        </p:nvCxnSpPr>
+        <p:spPr>
+          <a:xfrm flipH="1" flipV="1">
+            <a:off x="856629" y="2798646"/>
+            <a:ext cx="112632" cy="24024"/>
+          </a:xfrm>
+          <a:prstGeom prst="line">
+            <a:avLst/>
+          </a:prstGeom>
+          <a:ln w="28575">
+            <a:solidFill>
+              <a:schemeClr val="bg1"/>
+            </a:solidFill>
+          </a:ln>
+        </p:spPr>
+        <p:style>
+          <a:lnRef idx="1">
+            <a:schemeClr val="accent1"/>
+          </a:lnRef>
+          <a:fillRef idx="0">
+            <a:schemeClr val="accent1"/>
+          </a:fillRef>
+          <a:effectRef idx="0">
+            <a:schemeClr val="accent1"/>
+          </a:effectRef>
+          <a:fontRef idx="minor">
+            <a:schemeClr val="tx1"/>
+          </a:fontRef>
+        </p:style>
+      </p:cxnSp>
+      <p:sp>
+        <p:nvSpPr>
+          <p:cNvPr id="119" name="TextBox 118">
+            <a:extLst>
+              <a:ext uri="{FF2B5EF4-FFF2-40B4-BE49-F238E27FC236}">
+                <a16:creationId xmlns:a16="http://schemas.microsoft.com/office/drawing/2014/main" id="{87E14C09-1CDF-43BF-86DC-059DE553E2E7}"/>
+              </a:ext>
+            </a:extLst>
+          </p:cNvPr>
+          <p:cNvSpPr txBox="1"/>
+          <p:nvPr/>
+        </p:nvSpPr>
+        <p:spPr>
+          <a:xfrm>
+            <a:off x="271166" y="2734312"/>
+            <a:ext cx="670376" cy="215444"/>
+          </a:xfrm>
+          <a:prstGeom prst="rect">
+            <a:avLst/>
+          </a:prstGeom>
+          <a:noFill/>
+        </p:spPr>
+        <p:txBody>
+          <a:bodyPr wrap="none" rtlCol="0">
+            <a:spAutoFit/>
+          </a:bodyPr>
+          <a:lstStyle/>
+          <a:p>
+            <a:r>
+              <a:rPr lang="en-US" sz="800" dirty="0"/>
+              <a:t>Neuroptera</a:t>
+            </a:r>
+          </a:p>
+        </p:txBody>
+      </p:sp>
+      <p:sp>
+        <p:nvSpPr>
+          <p:cNvPr id="120" name="TextBox 119">
+            <a:extLst>
+              <a:ext uri="{FF2B5EF4-FFF2-40B4-BE49-F238E27FC236}">
+                <a16:creationId xmlns:a16="http://schemas.microsoft.com/office/drawing/2014/main" id="{0201BB4A-1D09-4E41-889C-3C3A56E0233A}"/>
+              </a:ext>
+            </a:extLst>
+          </p:cNvPr>
+          <p:cNvSpPr txBox="1"/>
+          <p:nvPr/>
+        </p:nvSpPr>
+        <p:spPr>
+          <a:xfrm>
+            <a:off x="1376620" y="991852"/>
+            <a:ext cx="647934" cy="215444"/>
+          </a:xfrm>
+          <a:prstGeom prst="rect">
+            <a:avLst/>
+          </a:prstGeom>
+          <a:noFill/>
+        </p:spPr>
+        <p:txBody>
+          <a:bodyPr wrap="none" rtlCol="0">
+            <a:spAutoFit/>
+          </a:bodyPr>
+          <a:lstStyle/>
+          <a:p>
+            <a:r>
+              <a:rPr lang="en-US" sz="800" dirty="0"/>
+              <a:t>Coleoptera</a:t>
+            </a:r>
+          </a:p>
+        </p:txBody>
+      </p:sp>
+      <p:sp>
+        <p:nvSpPr>
+          <p:cNvPr id="121" name="TextBox 120">
+            <a:extLst>
+              <a:ext uri="{FF2B5EF4-FFF2-40B4-BE49-F238E27FC236}">
+                <a16:creationId xmlns:a16="http://schemas.microsoft.com/office/drawing/2014/main" id="{CF6DE0B5-40DB-444C-B760-6D555BF088F5}"/>
+              </a:ext>
+            </a:extLst>
+          </p:cNvPr>
+          <p:cNvSpPr txBox="1"/>
+          <p:nvPr/>
+        </p:nvSpPr>
+        <p:spPr>
+          <a:xfrm>
+            <a:off x="4115196" y="688432"/>
+            <a:ext cx="670376" cy="215444"/>
+          </a:xfrm>
+          <a:prstGeom prst="rect">
+            <a:avLst/>
+          </a:prstGeom>
+          <a:noFill/>
+        </p:spPr>
+        <p:txBody>
+          <a:bodyPr wrap="none" rtlCol="0">
+            <a:spAutoFit/>
+          </a:bodyPr>
+          <a:lstStyle/>
+          <a:p>
+            <a:r>
+              <a:rPr lang="en-US" sz="800" dirty="0"/>
+              <a:t>Trichoptera</a:t>
+            </a:r>
+          </a:p>
+        </p:txBody>
+      </p:sp>
+      <p:cxnSp>
+        <p:nvCxnSpPr>
+          <p:cNvPr id="122" name="Straight Connector 121">
+            <a:extLst>
+              <a:ext uri="{FF2B5EF4-FFF2-40B4-BE49-F238E27FC236}">
+                <a16:creationId xmlns:a16="http://schemas.microsoft.com/office/drawing/2014/main" id="{9F6A55D5-4ECA-4653-BE81-539B2316E62B}"/>
+              </a:ext>
+            </a:extLst>
+          </p:cNvPr>
+          <p:cNvCxnSpPr>
+            <a:cxnSpLocks/>
+          </p:cNvCxnSpPr>
+          <p:nvPr/>
+        </p:nvCxnSpPr>
+        <p:spPr>
+          <a:xfrm flipV="1">
+            <a:off x="4242770" y="869512"/>
+            <a:ext cx="27442" cy="83126"/>
           </a:xfrm>
           <a:prstGeom prst="line">
             <a:avLst/>
@@ -3770,4 +5732,299 @@
     </a:ext>
   </a:extLst>
 </a:theme>
+</file>
+
+<file path=ppt/theme/theme2.xml><?xml version="1.0" encoding="utf-8"?>
+<a:theme xmlns:a="http://schemas.openxmlformats.org/drawingml/2006/main" name="Office Theme">
+  <a:themeElements>
+    <a:clrScheme name="Office">
+      <a:dk1>
+        <a:sysClr val="windowText" lastClr="000000"/>
+      </a:dk1>
+      <a:lt1>
+        <a:sysClr val="window" lastClr="FFFFFF"/>
+      </a:lt1>
+      <a:dk2>
+        <a:srgbClr val="44546A"/>
+      </a:dk2>
+      <a:lt2>
+        <a:srgbClr val="E7E6E6"/>
+      </a:lt2>
+      <a:accent1>
+        <a:srgbClr val="4472C4"/>
+      </a:accent1>
+      <a:accent2>
+        <a:srgbClr val="ED7D31"/>
+      </a:accent2>
+      <a:accent3>
+        <a:srgbClr val="A5A5A5"/>
+      </a:accent3>
+      <a:accent4>
+        <a:srgbClr val="FFC000"/>
+      </a:accent4>
+      <a:accent5>
+        <a:srgbClr val="5B9BD5"/>
+      </a:accent5>
+      <a:accent6>
+        <a:srgbClr val="70AD47"/>
+      </a:accent6>
+      <a:hlink>
+        <a:srgbClr val="0563C1"/>
+      </a:hlink>
+      <a:folHlink>
+        <a:srgbClr val="954F72"/>
+      </a:folHlink>
+    </a:clrScheme>
+    <a:fontScheme name="Office">
+      <a:majorFont>
+        <a:latin typeface="Calibri Light" panose="020F0302020204030204"/>
+        <a:ea typeface=""/>
+        <a:cs typeface=""/>
+        <a:font script="Jpan" typeface="游ゴシック Light"/>
+        <a:font script="Hang" typeface="맑은 고딕"/>
+        <a:font script="Hans" typeface="等线 Light"/>
+        <a:font script="Hant" typeface="新細明體"/>
+        <a:font script="Arab" typeface="Times New Roman"/>
+        <a:font script="Hebr" typeface="Times New Roman"/>
+        <a:font script="Thai" typeface="Angsana New"/>
+        <a:font script="Ethi" typeface="Nyala"/>
+        <a:font script="Beng" typeface="Vrinda"/>
+        <a:font script="Gujr" typeface="Shruti"/>
+        <a:font script="Khmr" typeface="MoolBoran"/>
+        <a:font script="Knda" typeface="Tunga"/>
+        <a:font script="Guru" typeface="Raavi"/>
+        <a:font script="Cans" typeface="Euphemia"/>
+        <a:font script="Cher" typeface="Plantagenet Cherokee"/>
+        <a:font script="Yiii" typeface="Microsoft Yi Baiti"/>
+        <a:font script="Tibt" typeface="Microsoft Himalaya"/>
+        <a:font script="Thaa" typeface="MV Boli"/>
+        <a:font script="Deva" typeface="Mangal"/>
+        <a:font script="Telu" typeface="Gautami"/>
+        <a:font script="Taml" typeface="Latha"/>
+        <a:font script="Syrc" typeface="Estrangelo Edessa"/>
+        <a:font script="Orya" typeface="Kalinga"/>
+        <a:font script="Mlym" typeface="Kartika"/>
+        <a:font script="Laoo" typeface="DokChampa"/>
+        <a:font script="Sinh" typeface="Iskoola Pota"/>
+        <a:font script="Mong" typeface="Mongolian Baiti"/>
+        <a:font script="Viet" typeface="Times New Roman"/>
+        <a:font script="Uigh" typeface="Microsoft Uighur"/>
+        <a:font script="Geor" typeface="Sylfaen"/>
+        <a:font script="Armn" typeface="Arial"/>
+        <a:font script="Bugi" typeface="Leelawadee UI"/>
+        <a:font script="Bopo" typeface="Microsoft JhengHei"/>
+        <a:font script="Java" typeface="Javanese Text"/>
+        <a:font script="Lisu" typeface="Segoe UI"/>
+        <a:font script="Mymr" typeface="Myanmar Text"/>
+        <a:font script="Nkoo" typeface="Ebrima"/>
+        <a:font script="Olck" typeface="Nirmala UI"/>
+        <a:font script="Osma" typeface="Ebrima"/>
+        <a:font script="Phag" typeface="Phagspa"/>
+        <a:font script="Syrn" typeface="Estrangelo Edessa"/>
+        <a:font script="Syrj" typeface="Estrangelo Edessa"/>
+        <a:font script="Syre" typeface="Estrangelo Edessa"/>
+        <a:font script="Sora" typeface="Nirmala UI"/>
+        <a:font script="Tale" typeface="Microsoft Tai Le"/>
+        <a:font script="Talu" typeface="Microsoft New Tai Lue"/>
+        <a:font script="Tfng" typeface="Ebrima"/>
+      </a:majorFont>
+      <a:minorFont>
+        <a:latin typeface="Calibri" panose="020F0502020204030204"/>
+        <a:ea typeface=""/>
+        <a:cs typeface=""/>
+        <a:font script="Jpan" typeface="游ゴシック"/>
+        <a:font script="Hang" typeface="맑은 고딕"/>
+        <a:font script="Hans" typeface="等线"/>
+        <a:font script="Hant" typeface="新細明體"/>
+        <a:font script="Arab" typeface="Arial"/>
+        <a:font script="Hebr" typeface="Arial"/>
+        <a:font script="Thai" typeface="Cordia New"/>
+        <a:font script="Ethi" typeface="Nyala"/>
+        <a:font script="Beng" typeface="Vrinda"/>
+        <a:font script="Gujr" typeface="Shruti"/>
+        <a:font script="Khmr" typeface="DaunPenh"/>
+        <a:font script="Knda" typeface="Tunga"/>
+        <a:font script="Guru" typeface="Raavi"/>
+        <a:font script="Cans" typeface="Euphemia"/>
+        <a:font script="Cher" typeface="Plantagenet Cherokee"/>
+        <a:font script="Yiii" typeface="Microsoft Yi Baiti"/>
+        <a:font script="Tibt" typeface="Microsoft Himalaya"/>
+        <a:font script="Thaa" typeface="MV Boli"/>
+        <a:font script="Deva" typeface="Mangal"/>
+        <a:font script="Telu" typeface="Gautami"/>
+        <a:font script="Taml" typeface="Latha"/>
+        <a:font script="Syrc" typeface="Estrangelo Edessa"/>
+        <a:font script="Orya" typeface="Kalinga"/>
+        <a:font script="Mlym" typeface="Kartika"/>
+        <a:font script="Laoo" typeface="DokChampa"/>
+        <a:font script="Sinh" typeface="Iskoola Pota"/>
+        <a:font script="Mong" typeface="Mongolian Baiti"/>
+        <a:font script="Viet" typeface="Arial"/>
+        <a:font script="Uigh" typeface="Microsoft Uighur"/>
+        <a:font script="Geor" typeface="Sylfaen"/>
+        <a:font script="Armn" typeface="Arial"/>
+        <a:font script="Bugi" typeface="Leelawadee UI"/>
+        <a:font script="Bopo" typeface="Microsoft JhengHei"/>
+        <a:font script="Java" typeface="Javanese Text"/>
+        <a:font script="Lisu" typeface="Segoe UI"/>
+        <a:font script="Mymr" typeface="Myanmar Text"/>
+        <a:font script="Nkoo" typeface="Ebrima"/>
+        <a:font script="Olck" typeface="Nirmala UI"/>
+        <a:font script="Osma" typeface="Ebrima"/>
+        <a:font script="Phag" typeface="Phagspa"/>
+        <a:font script="Syrn" typeface="Estrangelo Edessa"/>
+        <a:font script="Syrj" typeface="Estrangelo Edessa"/>
+        <a:font script="Syre" typeface="Estrangelo Edessa"/>
+        <a:font script="Sora" typeface="Nirmala UI"/>
+        <a:font script="Tale" typeface="Microsoft Tai Le"/>
+        <a:font script="Talu" typeface="Microsoft New Tai Lue"/>
+        <a:font script="Tfng" typeface="Ebrima"/>
+      </a:minorFont>
+    </a:fontScheme>
+    <a:fmtScheme name="Office">
+      <a:fillStyleLst>
+        <a:solidFill>
+          <a:schemeClr val="phClr"/>
+        </a:solidFill>
+        <a:gradFill rotWithShape="1">
+          <a:gsLst>
+            <a:gs pos="0">
+              <a:schemeClr val="phClr">
+                <a:lumMod val="110000"/>
+                <a:satMod val="105000"/>
+                <a:tint val="67000"/>
+              </a:schemeClr>
+            </a:gs>
+            <a:gs pos="50000">
+              <a:schemeClr val="phClr">
+                <a:lumMod val="105000"/>
+                <a:satMod val="103000"/>
+                <a:tint val="73000"/>
+              </a:schemeClr>
+            </a:gs>
+            <a:gs pos="100000">
+              <a:schemeClr val="phClr">
+                <a:lumMod val="105000"/>
+                <a:satMod val="109000"/>
+                <a:tint val="81000"/>
+              </a:schemeClr>
+            </a:gs>
+          </a:gsLst>
+          <a:lin ang="5400000" scaled="0"/>
+        </a:gradFill>
+        <a:gradFill rotWithShape="1">
+          <a:gsLst>
+            <a:gs pos="0">
+              <a:schemeClr val="phClr">
+                <a:satMod val="103000"/>
+                <a:lumMod val="102000"/>
+                <a:tint val="94000"/>
+              </a:schemeClr>
+            </a:gs>
+            <a:gs pos="50000">
+              <a:schemeClr val="phClr">
+                <a:satMod val="110000"/>
+                <a:lumMod val="100000"/>
+                <a:shade val="100000"/>
+              </a:schemeClr>
+            </a:gs>
+            <a:gs pos="100000">
+              <a:schemeClr val="phClr">
+                <a:lumMod val="99000"/>
+                <a:satMod val="120000"/>
+                <a:shade val="78000"/>
+              </a:schemeClr>
+            </a:gs>
+          </a:gsLst>
+          <a:lin ang="5400000" scaled="0"/>
+        </a:gradFill>
+      </a:fillStyleLst>
+      <a:lnStyleLst>
+        <a:ln w="6350" cap="flat" cmpd="sng" algn="ctr">
+          <a:solidFill>
+            <a:schemeClr val="phClr"/>
+          </a:solidFill>
+          <a:prstDash val="solid"/>
+          <a:miter lim="800000"/>
+        </a:ln>
+        <a:ln w="12700" cap="flat" cmpd="sng" algn="ctr">
+          <a:solidFill>
+            <a:schemeClr val="phClr"/>
+          </a:solidFill>
+          <a:prstDash val="solid"/>
+          <a:miter lim="800000"/>
+        </a:ln>
+        <a:ln w="19050" cap="flat" cmpd="sng" algn="ctr">
+          <a:solidFill>
+            <a:schemeClr val="phClr"/>
+          </a:solidFill>
+          <a:prstDash val="solid"/>
+          <a:miter lim="800000"/>
+        </a:ln>
+      </a:lnStyleLst>
+      <a:effectStyleLst>
+        <a:effectStyle>
+          <a:effectLst/>
+        </a:effectStyle>
+        <a:effectStyle>
+          <a:effectLst/>
+        </a:effectStyle>
+        <a:effectStyle>
+          <a:effectLst>
+            <a:outerShdw blurRad="57150" dist="19050" dir="5400000" algn="ctr" rotWithShape="0">
+              <a:srgbClr val="000000">
+                <a:alpha val="63000"/>
+              </a:srgbClr>
+            </a:outerShdw>
+          </a:effectLst>
+        </a:effectStyle>
+      </a:effectStyleLst>
+      <a:bgFillStyleLst>
+        <a:solidFill>
+          <a:schemeClr val="phClr"/>
+        </a:solidFill>
+        <a:solidFill>
+          <a:schemeClr val="phClr">
+            <a:tint val="95000"/>
+            <a:satMod val="170000"/>
+          </a:schemeClr>
+        </a:solidFill>
+        <a:gradFill rotWithShape="1">
+          <a:gsLst>
+            <a:gs pos="0">
+              <a:schemeClr val="phClr">
+                <a:tint val="93000"/>
+                <a:satMod val="150000"/>
+                <a:shade val="98000"/>
+                <a:lumMod val="102000"/>
+              </a:schemeClr>
+            </a:gs>
+            <a:gs pos="50000">
+              <a:schemeClr val="phClr">
+                <a:tint val="98000"/>
+                <a:satMod val="130000"/>
+                <a:shade val="90000"/>
+                <a:lumMod val="103000"/>
+              </a:schemeClr>
+            </a:gs>
+            <a:gs pos="100000">
+              <a:schemeClr val="phClr">
+                <a:shade val="63000"/>
+                <a:satMod val="120000"/>
+              </a:schemeClr>
+            </a:gs>
+          </a:gsLst>
+          <a:lin ang="5400000" scaled="0"/>
+        </a:gradFill>
+      </a:bgFillStyleLst>
+    </a:fmtScheme>
+  </a:themeElements>
+  <a:objectDefaults/>
+  <a:extraClrSchemeLst/>
+  <a:extLst>
+    <a:ext uri="{05A4C25C-085E-4340-85A3-A5531E510DB2}">
+      <thm15:themeFamily xmlns:thm15="http://schemas.microsoft.com/office/thememl/2012/main" name="Office Theme" id="{62F939B6-93AF-4DB8-9C6B-D6C7DFDC589F}" vid="{4A3C46E8-61CC-4603-A589-7422A47A8E4A}"/>
+    </a:ext>
+  </a:extLst>
+</a:theme>
 </file>